--- a/Think.pptx
+++ b/Think.pptx
@@ -4994,7 +4994,7 @@
         </p:nvSpPr>
         <p:spPr>
           <a:xfrm>
-            <a:off x="7006010" y="5994620"/>
+            <a:off x="8164250" y="5994620"/>
             <a:ext cx="395901" cy="354150"/>
           </a:xfrm>
           <a:prstGeom prst="rect">
@@ -5055,7 +5055,7 @@
         </p:nvSpPr>
         <p:spPr>
           <a:xfrm>
-            <a:off x="6494480" y="5366398"/>
+            <a:off x="7544011" y="5994620"/>
             <a:ext cx="528663" cy="354150"/>
           </a:xfrm>
           <a:prstGeom prst="rect">
@@ -5121,7 +5121,7 @@
         </p:nvSpPr>
         <p:spPr>
           <a:xfrm>
-            <a:off x="7040597" y="4510972"/>
+            <a:off x="7864361" y="4510972"/>
             <a:ext cx="342475" cy="326907"/>
           </a:xfrm>
           <a:prstGeom prst="ellipse">
@@ -5169,15 +5169,15 @@
           </p:cNvPr>
           <p:cNvCxnSpPr>
             <a:cxnSpLocks/>
-            <a:stCxn id="94" idx="4"/>
+            <a:stCxn id="261" idx="4"/>
             <a:endCxn id="93" idx="0"/>
           </p:cNvCxnSpPr>
           <p:nvPr/>
         </p:nvCxnSpPr>
         <p:spPr>
-          <a:xfrm rot="5400000">
-            <a:off x="6721065" y="4875627"/>
-            <a:ext cx="528519" cy="453023"/>
+          <a:xfrm rot="16200000" flipH="1">
+            <a:off x="7491744" y="5678020"/>
+            <a:ext cx="305821" cy="327377"/>
           </a:xfrm>
           <a:prstGeom prst="bentConnector3">
             <a:avLst>
@@ -5223,8 +5223,8 @@
         </p:nvCxnSpPr>
         <p:spPr>
           <a:xfrm rot="16200000" flipH="1">
-            <a:off x="7074597" y="4975117"/>
-            <a:ext cx="524014" cy="249538"/>
+            <a:off x="8065599" y="4807879"/>
+            <a:ext cx="524014" cy="584014"/>
           </a:xfrm>
           <a:prstGeom prst="bentConnector3">
             <a:avLst>
@@ -5266,7 +5266,7 @@
         </p:nvSpPr>
         <p:spPr>
           <a:xfrm>
-            <a:off x="9449211" y="5998368"/>
+            <a:off x="10607451" y="5998368"/>
             <a:ext cx="453259" cy="354150"/>
           </a:xfrm>
           <a:prstGeom prst="rect">
@@ -5326,7 +5326,7 @@
         </p:nvSpPr>
         <p:spPr>
           <a:xfrm>
-            <a:off x="8016639" y="5999412"/>
+            <a:off x="9174879" y="5999412"/>
             <a:ext cx="375447" cy="354150"/>
           </a:xfrm>
           <a:prstGeom prst="rect">
@@ -5392,7 +5392,7 @@
         </p:nvSpPr>
         <p:spPr>
           <a:xfrm>
-            <a:off x="8746059" y="4510972"/>
+            <a:off x="9904299" y="4510972"/>
             <a:ext cx="342475" cy="326907"/>
           </a:xfrm>
           <a:prstGeom prst="ellipse">
@@ -5447,7 +5447,7 @@
         </p:nvCxnSpPr>
         <p:spPr>
           <a:xfrm rot="5400000">
-            <a:off x="8418772" y="4863366"/>
+            <a:off x="9577012" y="4863366"/>
             <a:ext cx="524013" cy="473039"/>
           </a:xfrm>
           <a:prstGeom prst="bentConnector3">
@@ -5494,7 +5494,7 @@
         </p:nvCxnSpPr>
         <p:spPr>
           <a:xfrm rot="16200000" flipH="1">
-            <a:off x="8905354" y="4849821"/>
+            <a:off x="10063594" y="4849821"/>
             <a:ext cx="524013" cy="500127"/>
           </a:xfrm>
           <a:prstGeom prst="bentConnector3">
@@ -5537,7 +5537,7 @@
         </p:nvGrpSpPr>
         <p:grpSpPr>
           <a:xfrm>
-            <a:off x="8905040" y="3485255"/>
+            <a:off x="10063280" y="3485255"/>
             <a:ext cx="412527" cy="386146"/>
             <a:chOff x="1360124" y="3920067"/>
             <a:chExt cx="412527" cy="386146"/>
@@ -5719,7 +5719,7 @@
         </p:nvSpPr>
         <p:spPr>
           <a:xfrm>
-            <a:off x="7290135" y="5361893"/>
+            <a:off x="8448375" y="5361893"/>
             <a:ext cx="342475" cy="326907"/>
           </a:xfrm>
           <a:prstGeom prst="ellipse">
@@ -5770,7 +5770,7 @@
         </p:nvSpPr>
         <p:spPr>
           <a:xfrm>
-            <a:off x="7507816" y="5994781"/>
+            <a:off x="8666056" y="5994781"/>
             <a:ext cx="395901" cy="354150"/>
           </a:xfrm>
           <a:prstGeom prst="rect">
@@ -5840,7 +5840,7 @@
         </p:nvCxnSpPr>
         <p:spPr>
           <a:xfrm rot="16200000" flipH="1">
-            <a:off x="7430580" y="5719593"/>
+            <a:off x="8588820" y="5719593"/>
             <a:ext cx="305981" cy="244394"/>
           </a:xfrm>
           <a:prstGeom prst="bentConnector3">
@@ -5887,7 +5887,7 @@
         </p:nvCxnSpPr>
         <p:spPr>
           <a:xfrm rot="5400000">
-            <a:off x="7179757" y="5713004"/>
+            <a:off x="8337997" y="5713004"/>
             <a:ext cx="305820" cy="257412"/>
           </a:xfrm>
           <a:prstGeom prst="bentConnector3">
@@ -6126,8 +6126,8 @@
         </p:nvSpPr>
         <p:spPr>
           <a:xfrm>
-            <a:off x="7410812" y="4612748"/>
-            <a:ext cx="1307506" cy="103541"/>
+            <a:off x="8250767" y="4612748"/>
+            <a:ext cx="1625791" cy="103541"/>
           </a:xfrm>
           <a:prstGeom prst="homePlate">
             <a:avLst/>
@@ -6181,8 +6181,8 @@
         </p:nvCxnSpPr>
         <p:spPr>
           <a:xfrm rot="5400000">
-            <a:off x="8205141" y="3704940"/>
-            <a:ext cx="741347" cy="1074268"/>
+            <a:off x="9283810" y="3625369"/>
+            <a:ext cx="741347" cy="1233411"/>
           </a:xfrm>
           <a:prstGeom prst="bentConnector3">
             <a:avLst>
@@ -6652,10 +6652,10 @@
       </p:sp>
       <p:sp>
         <p:nvSpPr>
-          <p:cNvPr id="163" name="椭圆 162">
-            <a:extLst>
-              <a:ext uri="{FF2B5EF4-FFF2-40B4-BE49-F238E27FC236}">
-                <a16:creationId xmlns:a16="http://schemas.microsoft.com/office/drawing/2014/main" id="{54B93C08-141D-0C7E-EE5A-CDA9464465F8}"/>
+          <p:cNvPr id="164" name="椭圆 163">
+            <a:extLst>
+              <a:ext uri="{FF2B5EF4-FFF2-40B4-BE49-F238E27FC236}">
+                <a16:creationId xmlns:a16="http://schemas.microsoft.com/office/drawing/2014/main" id="{396B8985-05DC-D61D-9C62-889894344F86}"/>
               </a:ext>
             </a:extLst>
           </p:cNvPr>
@@ -6664,7 +6664,7 @@
         </p:nvSpPr>
         <p:spPr>
           <a:xfrm>
-            <a:off x="6680297" y="5270515"/>
+            <a:off x="8281746" y="5918278"/>
             <a:ext cx="160908" cy="152682"/>
           </a:xfrm>
           <a:prstGeom prst="ellipse">
@@ -6699,7 +6699,7 @@
             <a:pPr algn="ctr"/>
             <a:r>
               <a:rPr lang="en-US" altLang="zh-CN" sz="1100" dirty="0"/>
-              <a:t>3</a:t>
+              <a:t>5</a:t>
             </a:r>
             <a:endParaRPr lang="zh-CN" altLang="en-US" sz="1100" dirty="0"/>
           </a:p>
@@ -6707,10 +6707,10 @@
       </p:sp>
       <p:sp>
         <p:nvSpPr>
-          <p:cNvPr id="164" name="椭圆 163">
-            <a:extLst>
-              <a:ext uri="{FF2B5EF4-FFF2-40B4-BE49-F238E27FC236}">
-                <a16:creationId xmlns:a16="http://schemas.microsoft.com/office/drawing/2014/main" id="{396B8985-05DC-D61D-9C62-889894344F86}"/>
+          <p:cNvPr id="165" name="椭圆 164">
+            <a:extLst>
+              <a:ext uri="{FF2B5EF4-FFF2-40B4-BE49-F238E27FC236}">
+                <a16:creationId xmlns:a16="http://schemas.microsoft.com/office/drawing/2014/main" id="{6E2E6C78-412D-C0FE-9C32-66450838C999}"/>
               </a:ext>
             </a:extLst>
           </p:cNvPr>
@@ -6719,7 +6719,7 @@
         </p:nvSpPr>
         <p:spPr>
           <a:xfrm>
-            <a:off x="7123506" y="5918278"/>
+            <a:off x="8783552" y="5923460"/>
             <a:ext cx="160908" cy="152682"/>
           </a:xfrm>
           <a:prstGeom prst="ellipse">
@@ -6762,10 +6762,10 @@
       </p:sp>
       <p:sp>
         <p:nvSpPr>
-          <p:cNvPr id="165" name="椭圆 164">
-            <a:extLst>
-              <a:ext uri="{FF2B5EF4-FFF2-40B4-BE49-F238E27FC236}">
-                <a16:creationId xmlns:a16="http://schemas.microsoft.com/office/drawing/2014/main" id="{6E2E6C78-412D-C0FE-9C32-66450838C999}"/>
+          <p:cNvPr id="169" name="矩形 168">
+            <a:extLst>
+              <a:ext uri="{FF2B5EF4-FFF2-40B4-BE49-F238E27FC236}">
+                <a16:creationId xmlns:a16="http://schemas.microsoft.com/office/drawing/2014/main" id="{36A73654-B35E-2BCD-97EA-44AF7663A0C9}"/>
               </a:ext>
             </a:extLst>
           </p:cNvPr>
@@ -6774,10 +6774,10 @@
         </p:nvSpPr>
         <p:spPr>
           <a:xfrm>
-            <a:off x="7625312" y="5923460"/>
-            <a:ext cx="160908" cy="152682"/>
-          </a:xfrm>
-          <a:prstGeom prst="ellipse">
+            <a:off x="10923279" y="4612748"/>
+            <a:ext cx="710897" cy="229613"/>
+          </a:xfrm>
+          <a:prstGeom prst="rect">
             <a:avLst/>
           </a:prstGeom>
           <a:ln>
@@ -6808,61 +6808,6 @@
           <a:p>
             <a:pPr algn="ctr"/>
             <a:r>
-              <a:rPr lang="en-US" altLang="zh-CN" sz="1100" dirty="0"/>
-              <a:t>5</a:t>
-            </a:r>
-            <a:endParaRPr lang="zh-CN" altLang="en-US" sz="1100" dirty="0"/>
-          </a:p>
-        </p:txBody>
-      </p:sp>
-      <p:sp>
-        <p:nvSpPr>
-          <p:cNvPr id="169" name="矩形 168">
-            <a:extLst>
-              <a:ext uri="{FF2B5EF4-FFF2-40B4-BE49-F238E27FC236}">
-                <a16:creationId xmlns:a16="http://schemas.microsoft.com/office/drawing/2014/main" id="{36A73654-B35E-2BCD-97EA-44AF7663A0C9}"/>
-              </a:ext>
-            </a:extLst>
-          </p:cNvPr>
-          <p:cNvSpPr/>
-          <p:nvPr/>
-        </p:nvSpPr>
-        <p:spPr>
-          <a:xfrm>
-            <a:off x="9765039" y="4612748"/>
-            <a:ext cx="710897" cy="229613"/>
-          </a:xfrm>
-          <a:prstGeom prst="rect">
-            <a:avLst/>
-          </a:prstGeom>
-          <a:ln>
-            <a:solidFill>
-              <a:schemeClr val="tx1"/>
-            </a:solidFill>
-          </a:ln>
-        </p:spPr>
-        <p:style>
-          <a:lnRef idx="2">
-            <a:schemeClr val="accent1">
-              <a:shade val="50000"/>
-            </a:schemeClr>
-          </a:lnRef>
-          <a:fillRef idx="1">
-            <a:schemeClr val="accent1"/>
-          </a:fillRef>
-          <a:effectRef idx="0">
-            <a:schemeClr val="accent1"/>
-          </a:effectRef>
-          <a:fontRef idx="minor">
-            <a:schemeClr val="lt1"/>
-          </a:fontRef>
-        </p:style>
-        <p:txBody>
-          <a:bodyPr rtlCol="0" anchor="ctr"/>
-          <a:lstStyle/>
-          <a:p>
-            <a:pPr algn="ctr"/>
-            <a:r>
               <a:rPr lang="en-US" altLang="zh-CN" sz="400" dirty="0"/>
               <a:t>Confrontation</a:t>
             </a:r>
@@ -6883,7 +6828,7 @@
         </p:nvSpPr>
         <p:spPr>
           <a:xfrm>
-            <a:off x="8953970" y="5997986"/>
+            <a:off x="10112210" y="5997986"/>
             <a:ext cx="429251" cy="354150"/>
           </a:xfrm>
           <a:prstGeom prst="rect">
@@ -6943,7 +6888,7 @@
         </p:nvSpPr>
         <p:spPr>
           <a:xfrm>
-            <a:off x="9246186" y="5361892"/>
+            <a:off x="10404426" y="5361892"/>
             <a:ext cx="342475" cy="326907"/>
           </a:xfrm>
           <a:prstGeom prst="ellipse">
@@ -6998,7 +6943,7 @@
         </p:nvCxnSpPr>
         <p:spPr>
           <a:xfrm rot="16200000" flipH="1">
-            <a:off x="9391848" y="5714374"/>
+            <a:off x="10550088" y="5714374"/>
             <a:ext cx="309569" cy="258417"/>
           </a:xfrm>
           <a:prstGeom prst="bentConnector3">
@@ -7045,7 +6990,7 @@
         </p:nvCxnSpPr>
         <p:spPr>
           <a:xfrm rot="5400000">
-            <a:off x="9138417" y="5718978"/>
+            <a:off x="10296657" y="5718978"/>
             <a:ext cx="309187" cy="248828"/>
           </a:xfrm>
           <a:prstGeom prst="bentConnector3">
@@ -7088,7 +7033,7 @@
         </p:nvSpPr>
         <p:spPr>
           <a:xfrm>
-            <a:off x="9099494" y="5918278"/>
+            <a:off x="10257734" y="5918278"/>
             <a:ext cx="160908" cy="152682"/>
           </a:xfrm>
           <a:prstGeom prst="ellipse">
@@ -7143,7 +7088,7 @@
         </p:nvSpPr>
         <p:spPr>
           <a:xfrm>
-            <a:off x="9595386" y="5918278"/>
+            <a:off x="10753626" y="5918278"/>
             <a:ext cx="160908" cy="152682"/>
           </a:xfrm>
           <a:prstGeom prst="ellipse">
@@ -7198,7 +7143,7 @@
         </p:nvSpPr>
         <p:spPr>
           <a:xfrm>
-            <a:off x="8273020" y="5361892"/>
+            <a:off x="9431260" y="5361892"/>
             <a:ext cx="342475" cy="326907"/>
           </a:xfrm>
           <a:prstGeom prst="ellipse">
@@ -7249,7 +7194,7 @@
         </p:nvSpPr>
         <p:spPr>
           <a:xfrm>
-            <a:off x="8447812" y="5998367"/>
+            <a:off x="9606052" y="5998367"/>
             <a:ext cx="429251" cy="354150"/>
           </a:xfrm>
           <a:prstGeom prst="rect">
@@ -7319,7 +7264,7 @@
         </p:nvCxnSpPr>
         <p:spPr>
           <a:xfrm rot="16200000" flipH="1">
-            <a:off x="8398564" y="5734493"/>
+            <a:off x="9556804" y="5734493"/>
             <a:ext cx="309568" cy="218180"/>
           </a:xfrm>
           <a:prstGeom prst="bentConnector3">
@@ -7362,7 +7307,7 @@
         </p:nvSpPr>
         <p:spPr>
           <a:xfrm>
-            <a:off x="8574573" y="5918278"/>
+            <a:off x="9732813" y="5918278"/>
             <a:ext cx="160908" cy="152682"/>
           </a:xfrm>
           <a:prstGeom prst="ellipse">
@@ -7421,7 +7366,7 @@
         </p:nvCxnSpPr>
         <p:spPr>
           <a:xfrm rot="5400000">
-            <a:off x="8169005" y="5724158"/>
+            <a:off x="9327245" y="5724158"/>
             <a:ext cx="310613" cy="239895"/>
           </a:xfrm>
           <a:prstGeom prst="bentConnector3">
@@ -7464,7 +7409,7 @@
         </p:nvSpPr>
         <p:spPr>
           <a:xfrm>
-            <a:off x="8122133" y="5918278"/>
+            <a:off x="9280373" y="5918278"/>
             <a:ext cx="160908" cy="152682"/>
           </a:xfrm>
           <a:prstGeom prst="ellipse">
@@ -7519,7 +7464,7 @@
         </p:nvSpPr>
         <p:spPr>
           <a:xfrm>
-            <a:off x="9342134" y="5300505"/>
+            <a:off x="10500374" y="5300505"/>
             <a:ext cx="160908" cy="152682"/>
           </a:xfrm>
           <a:prstGeom prst="ellipse">
@@ -7574,7 +7519,7 @@
         </p:nvSpPr>
         <p:spPr>
           <a:xfrm>
-            <a:off x="8350565" y="5293204"/>
+            <a:off x="9508805" y="5293204"/>
             <a:ext cx="160908" cy="152682"/>
           </a:xfrm>
           <a:prstGeom prst="ellipse">
@@ -7633,7 +7578,7 @@
         </p:nvCxnSpPr>
         <p:spPr>
           <a:xfrm rot="16200000" flipH="1">
-            <a:off x="9246045" y="3738304"/>
+            <a:off x="10404285" y="3738304"/>
             <a:ext cx="741347" cy="1007540"/>
           </a:xfrm>
           <a:prstGeom prst="bentConnector3">
@@ -7676,7 +7621,7 @@
         </p:nvSpPr>
         <p:spPr>
           <a:xfrm>
-            <a:off x="4859059" y="2718771"/>
+            <a:off x="5554828" y="2066838"/>
             <a:ext cx="995966" cy="299720"/>
           </a:xfrm>
           <a:prstGeom prst="ellipse">
@@ -7729,8 +7674,8 @@
         </p:nvCxnSpPr>
         <p:spPr>
           <a:xfrm rot="16200000" flipH="1">
-            <a:off x="7000791" y="1374742"/>
-            <a:ext cx="466764" cy="3754262"/>
+            <a:off x="7601829" y="817539"/>
+            <a:ext cx="1118697" cy="4216733"/>
           </a:xfrm>
           <a:prstGeom prst="bentConnector3">
             <a:avLst>
@@ -7775,9 +7720,9 @@
           <p:nvPr/>
         </p:nvCxnSpPr>
         <p:spPr>
-          <a:xfrm rot="16200000" flipH="1">
-            <a:off x="5268484" y="3107049"/>
-            <a:ext cx="468836" cy="291720"/>
+          <a:xfrm rot="5400000">
+            <a:off x="5290403" y="2724918"/>
+            <a:ext cx="1120769" cy="404049"/>
           </a:xfrm>
           <a:prstGeom prst="bentConnector3">
             <a:avLst>
@@ -7823,8 +7768,8 @@
         </p:nvCxnSpPr>
         <p:spPr>
           <a:xfrm rot="5400000">
-            <a:off x="4012267" y="2141580"/>
-            <a:ext cx="467865" cy="2221686"/>
+            <a:off x="4034185" y="1467730"/>
+            <a:ext cx="1119798" cy="2917455"/>
           </a:xfrm>
           <a:prstGeom prst="bentConnector3">
             <a:avLst>
@@ -7870,8 +7815,8 @@
         </p:nvCxnSpPr>
         <p:spPr>
           <a:xfrm rot="5400000">
-            <a:off x="3165947" y="1295260"/>
-            <a:ext cx="467865" cy="3914326"/>
+            <a:off x="3187865" y="621410"/>
+            <a:ext cx="1119798" cy="4610095"/>
           </a:xfrm>
           <a:prstGeom prst="bentConnector3">
             <a:avLst>
@@ -7899,6 +7844,437 @@
           </a:fontRef>
         </p:style>
       </p:cxnSp>
+      <p:sp>
+        <p:nvSpPr>
+          <p:cNvPr id="261" name="椭圆 260">
+            <a:extLst>
+              <a:ext uri="{FF2B5EF4-FFF2-40B4-BE49-F238E27FC236}">
+                <a16:creationId xmlns:a16="http://schemas.microsoft.com/office/drawing/2014/main" id="{1892CFED-E0B3-D437-D452-402217E9F2F7}"/>
+              </a:ext>
+            </a:extLst>
+          </p:cNvPr>
+          <p:cNvSpPr/>
+          <p:nvPr/>
+        </p:nvSpPr>
+        <p:spPr>
+          <a:xfrm>
+            <a:off x="7309728" y="5361892"/>
+            <a:ext cx="342475" cy="326907"/>
+          </a:xfrm>
+          <a:prstGeom prst="ellipse">
+            <a:avLst/>
+          </a:prstGeom>
+          <a:ln>
+            <a:solidFill>
+              <a:schemeClr val="tx1"/>
+            </a:solidFill>
+          </a:ln>
+        </p:spPr>
+        <p:style>
+          <a:lnRef idx="2">
+            <a:schemeClr val="accent1">
+              <a:shade val="50000"/>
+            </a:schemeClr>
+          </a:lnRef>
+          <a:fillRef idx="1">
+            <a:schemeClr val="accent1"/>
+          </a:fillRef>
+          <a:effectRef idx="0">
+            <a:schemeClr val="accent1"/>
+          </a:effectRef>
+          <a:fontRef idx="minor">
+            <a:schemeClr val="lt1"/>
+          </a:fontRef>
+        </p:style>
+        <p:txBody>
+          <a:bodyPr rtlCol="0" anchor="ctr"/>
+          <a:lstStyle/>
+          <a:p>
+            <a:pPr algn="ctr"/>
+            <a:endParaRPr lang="zh-CN" altLang="en-US" sz="400" dirty="0"/>
+          </a:p>
+        </p:txBody>
+      </p:sp>
+      <p:sp>
+        <p:nvSpPr>
+          <p:cNvPr id="263" name="矩形 262">
+            <a:extLst>
+              <a:ext uri="{FF2B5EF4-FFF2-40B4-BE49-F238E27FC236}">
+                <a16:creationId xmlns:a16="http://schemas.microsoft.com/office/drawing/2014/main" id="{BFC900FE-0A54-16CB-1BCF-046B4950F5EB}"/>
+              </a:ext>
+            </a:extLst>
+          </p:cNvPr>
+          <p:cNvSpPr/>
+          <p:nvPr/>
+        </p:nvSpPr>
+        <p:spPr>
+          <a:xfrm>
+            <a:off x="6868066" y="5994620"/>
+            <a:ext cx="528663" cy="354150"/>
+          </a:xfrm>
+          <a:prstGeom prst="rect">
+            <a:avLst/>
+          </a:prstGeom>
+          <a:solidFill>
+            <a:schemeClr val="bg1">
+              <a:lumMod val="75000"/>
+            </a:schemeClr>
+          </a:solidFill>
+          <a:ln>
+            <a:solidFill>
+              <a:schemeClr val="tx1"/>
+            </a:solidFill>
+          </a:ln>
+        </p:spPr>
+        <p:style>
+          <a:lnRef idx="2">
+            <a:schemeClr val="accent1">
+              <a:shade val="50000"/>
+            </a:schemeClr>
+          </a:lnRef>
+          <a:fillRef idx="1">
+            <a:schemeClr val="accent1"/>
+          </a:fillRef>
+          <a:effectRef idx="0">
+            <a:schemeClr val="accent1"/>
+          </a:effectRef>
+          <a:fontRef idx="minor">
+            <a:schemeClr val="lt1"/>
+          </a:fontRef>
+        </p:style>
+        <p:txBody>
+          <a:bodyPr rtlCol="0" anchor="ctr"/>
+          <a:lstStyle/>
+          <a:p>
+            <a:pPr algn="ctr"/>
+            <a:r>
+              <a:rPr lang="en-US" altLang="zh-CN" sz="400" dirty="0"/>
+              <a:t>1.5M</a:t>
+            </a:r>
+          </a:p>
+          <a:p>
+            <a:pPr algn="ctr"/>
+            <a:r>
+              <a:rPr lang="en-US" altLang="zh-CN" sz="400" dirty="0"/>
+              <a:t>Stomp</a:t>
+            </a:r>
+          </a:p>
+        </p:txBody>
+      </p:sp>
+      <p:sp>
+        <p:nvSpPr>
+          <p:cNvPr id="264" name="椭圆 263">
+            <a:extLst>
+              <a:ext uri="{FF2B5EF4-FFF2-40B4-BE49-F238E27FC236}">
+                <a16:creationId xmlns:a16="http://schemas.microsoft.com/office/drawing/2014/main" id="{0AD01B48-1B53-6255-94EA-AA3A8BEFB3F6}"/>
+              </a:ext>
+            </a:extLst>
+          </p:cNvPr>
+          <p:cNvSpPr/>
+          <p:nvPr/>
+        </p:nvSpPr>
+        <p:spPr>
+          <a:xfrm>
+            <a:off x="7732640" y="5918278"/>
+            <a:ext cx="160908" cy="152682"/>
+          </a:xfrm>
+          <a:prstGeom prst="ellipse">
+            <a:avLst/>
+          </a:prstGeom>
+          <a:ln>
+            <a:solidFill>
+              <a:schemeClr val="tx1"/>
+            </a:solidFill>
+          </a:ln>
+        </p:spPr>
+        <p:style>
+          <a:lnRef idx="2">
+            <a:schemeClr val="accent1">
+              <a:shade val="50000"/>
+            </a:schemeClr>
+          </a:lnRef>
+          <a:fillRef idx="1">
+            <a:schemeClr val="accent1"/>
+          </a:fillRef>
+          <a:effectRef idx="0">
+            <a:schemeClr val="accent1"/>
+          </a:effectRef>
+          <a:fontRef idx="minor">
+            <a:schemeClr val="lt1"/>
+          </a:fontRef>
+        </p:style>
+        <p:txBody>
+          <a:bodyPr rtlCol="0" anchor="ctr"/>
+          <a:lstStyle/>
+          <a:p>
+            <a:pPr algn="ctr"/>
+            <a:r>
+              <a:rPr lang="en-US" altLang="zh-CN" sz="1100" dirty="0"/>
+              <a:t>7</a:t>
+            </a:r>
+            <a:endParaRPr lang="zh-CN" altLang="en-US" sz="1100" dirty="0"/>
+          </a:p>
+        </p:txBody>
+      </p:sp>
+      <p:cxnSp>
+        <p:nvCxnSpPr>
+          <p:cNvPr id="265" name="连接符: 肘形 264">
+            <a:extLst>
+              <a:ext uri="{FF2B5EF4-FFF2-40B4-BE49-F238E27FC236}">
+                <a16:creationId xmlns:a16="http://schemas.microsoft.com/office/drawing/2014/main" id="{38AF956E-6E6B-2C76-1435-C6A608B710BE}"/>
+              </a:ext>
+            </a:extLst>
+          </p:cNvPr>
+          <p:cNvCxnSpPr>
+            <a:cxnSpLocks/>
+            <a:stCxn id="261" idx="4"/>
+            <a:endCxn id="263" idx="0"/>
+          </p:cNvCxnSpPr>
+          <p:nvPr/>
+        </p:nvCxnSpPr>
+        <p:spPr>
+          <a:xfrm rot="5400000">
+            <a:off x="7153772" y="5667425"/>
+            <a:ext cx="305821" cy="348568"/>
+          </a:xfrm>
+          <a:prstGeom prst="bentConnector3">
+            <a:avLst>
+              <a:gd name="adj1" fmla="val 50000"/>
+            </a:avLst>
+          </a:prstGeom>
+          <a:ln>
+            <a:solidFill>
+              <a:schemeClr val="tx1"/>
+            </a:solidFill>
+          </a:ln>
+        </p:spPr>
+        <p:style>
+          <a:lnRef idx="1">
+            <a:schemeClr val="accent1"/>
+          </a:lnRef>
+          <a:fillRef idx="0">
+            <a:schemeClr val="accent1"/>
+          </a:fillRef>
+          <a:effectRef idx="0">
+            <a:schemeClr val="accent1"/>
+          </a:effectRef>
+          <a:fontRef idx="minor">
+            <a:schemeClr val="tx1"/>
+          </a:fontRef>
+        </p:style>
+      </p:cxnSp>
+      <p:sp>
+        <p:nvSpPr>
+          <p:cNvPr id="163" name="椭圆 162">
+            <a:extLst>
+              <a:ext uri="{FF2B5EF4-FFF2-40B4-BE49-F238E27FC236}">
+                <a16:creationId xmlns:a16="http://schemas.microsoft.com/office/drawing/2014/main" id="{54B93C08-141D-0C7E-EE5A-CDA9464465F8}"/>
+              </a:ext>
+            </a:extLst>
+          </p:cNvPr>
+          <p:cNvSpPr/>
+          <p:nvPr/>
+        </p:nvSpPr>
+        <p:spPr>
+          <a:xfrm>
+            <a:off x="7051780" y="5918278"/>
+            <a:ext cx="160908" cy="152682"/>
+          </a:xfrm>
+          <a:prstGeom prst="ellipse">
+            <a:avLst/>
+          </a:prstGeom>
+          <a:ln>
+            <a:solidFill>
+              <a:schemeClr val="tx1"/>
+            </a:solidFill>
+          </a:ln>
+        </p:spPr>
+        <p:style>
+          <a:lnRef idx="2">
+            <a:schemeClr val="accent1">
+              <a:shade val="50000"/>
+            </a:schemeClr>
+          </a:lnRef>
+          <a:fillRef idx="1">
+            <a:schemeClr val="accent1"/>
+          </a:fillRef>
+          <a:effectRef idx="0">
+            <a:schemeClr val="accent1"/>
+          </a:effectRef>
+          <a:fontRef idx="minor">
+            <a:schemeClr val="lt1"/>
+          </a:fontRef>
+        </p:style>
+        <p:txBody>
+          <a:bodyPr rtlCol="0" anchor="ctr"/>
+          <a:lstStyle/>
+          <a:p>
+            <a:pPr algn="ctr"/>
+            <a:r>
+              <a:rPr lang="en-US" altLang="zh-CN" sz="1100" dirty="0"/>
+              <a:t>3</a:t>
+            </a:r>
+            <a:endParaRPr lang="zh-CN" altLang="en-US" sz="1100" dirty="0"/>
+          </a:p>
+        </p:txBody>
+      </p:sp>
+      <p:cxnSp>
+        <p:nvCxnSpPr>
+          <p:cNvPr id="271" name="连接符: 肘形 270">
+            <a:extLst>
+              <a:ext uri="{FF2B5EF4-FFF2-40B4-BE49-F238E27FC236}">
+                <a16:creationId xmlns:a16="http://schemas.microsoft.com/office/drawing/2014/main" id="{C681D005-EDE6-8C17-EEE1-48DED58BFFA7}"/>
+              </a:ext>
+            </a:extLst>
+          </p:cNvPr>
+          <p:cNvCxnSpPr>
+            <a:cxnSpLocks/>
+            <a:stCxn id="94" idx="4"/>
+            <a:endCxn id="261" idx="0"/>
+          </p:cNvCxnSpPr>
+          <p:nvPr/>
+        </p:nvCxnSpPr>
+        <p:spPr>
+          <a:xfrm rot="5400000">
+            <a:off x="7496277" y="4822569"/>
+            <a:ext cx="524013" cy="554633"/>
+          </a:xfrm>
+          <a:prstGeom prst="bentConnector3">
+            <a:avLst>
+              <a:gd name="adj1" fmla="val 50000"/>
+            </a:avLst>
+          </a:prstGeom>
+          <a:ln>
+            <a:solidFill>
+              <a:schemeClr val="tx1"/>
+            </a:solidFill>
+          </a:ln>
+        </p:spPr>
+        <p:style>
+          <a:lnRef idx="1">
+            <a:schemeClr val="accent1"/>
+          </a:lnRef>
+          <a:fillRef idx="0">
+            <a:schemeClr val="accent1"/>
+          </a:fillRef>
+          <a:effectRef idx="0">
+            <a:schemeClr val="accent1"/>
+          </a:effectRef>
+          <a:fontRef idx="minor">
+            <a:schemeClr val="tx1"/>
+          </a:fontRef>
+        </p:style>
+      </p:cxnSp>
+      <p:sp>
+        <p:nvSpPr>
+          <p:cNvPr id="279" name="椭圆 278">
+            <a:extLst>
+              <a:ext uri="{FF2B5EF4-FFF2-40B4-BE49-F238E27FC236}">
+                <a16:creationId xmlns:a16="http://schemas.microsoft.com/office/drawing/2014/main" id="{B61B7B99-32F7-7BFA-549D-FBDF3236DCAE}"/>
+              </a:ext>
+            </a:extLst>
+          </p:cNvPr>
+          <p:cNvSpPr/>
+          <p:nvPr/>
+        </p:nvSpPr>
+        <p:spPr>
+          <a:xfrm>
+            <a:off x="7399285" y="5323654"/>
+            <a:ext cx="160908" cy="152682"/>
+          </a:xfrm>
+          <a:prstGeom prst="ellipse">
+            <a:avLst/>
+          </a:prstGeom>
+          <a:ln>
+            <a:solidFill>
+              <a:schemeClr val="tx1"/>
+            </a:solidFill>
+          </a:ln>
+        </p:spPr>
+        <p:style>
+          <a:lnRef idx="2">
+            <a:schemeClr val="accent1">
+              <a:shade val="50000"/>
+            </a:schemeClr>
+          </a:lnRef>
+          <a:fillRef idx="1">
+            <a:schemeClr val="accent1"/>
+          </a:fillRef>
+          <a:effectRef idx="0">
+            <a:schemeClr val="accent1"/>
+          </a:effectRef>
+          <a:fontRef idx="minor">
+            <a:schemeClr val="lt1"/>
+          </a:fontRef>
+        </p:style>
+        <p:txBody>
+          <a:bodyPr rtlCol="0" anchor="ctr"/>
+          <a:lstStyle/>
+          <a:p>
+            <a:pPr algn="ctr"/>
+            <a:r>
+              <a:rPr lang="en-US" altLang="zh-CN" sz="1100" dirty="0"/>
+              <a:t>5</a:t>
+            </a:r>
+            <a:endParaRPr lang="zh-CN" altLang="en-US" sz="1100" dirty="0"/>
+          </a:p>
+        </p:txBody>
+      </p:sp>
+      <p:sp>
+        <p:nvSpPr>
+          <p:cNvPr id="280" name="椭圆 279">
+            <a:extLst>
+              <a:ext uri="{FF2B5EF4-FFF2-40B4-BE49-F238E27FC236}">
+                <a16:creationId xmlns:a16="http://schemas.microsoft.com/office/drawing/2014/main" id="{2AAC83A4-7DF6-C667-0C6A-009F76066384}"/>
+              </a:ext>
+            </a:extLst>
+          </p:cNvPr>
+          <p:cNvSpPr/>
+          <p:nvPr/>
+        </p:nvSpPr>
+        <p:spPr>
+          <a:xfrm>
+            <a:off x="8536250" y="5300505"/>
+            <a:ext cx="160908" cy="152682"/>
+          </a:xfrm>
+          <a:prstGeom prst="ellipse">
+            <a:avLst/>
+          </a:prstGeom>
+          <a:ln>
+            <a:solidFill>
+              <a:schemeClr val="tx1"/>
+            </a:solidFill>
+          </a:ln>
+        </p:spPr>
+        <p:style>
+          <a:lnRef idx="2">
+            <a:schemeClr val="accent1">
+              <a:shade val="50000"/>
+            </a:schemeClr>
+          </a:lnRef>
+          <a:fillRef idx="1">
+            <a:schemeClr val="accent1"/>
+          </a:fillRef>
+          <a:effectRef idx="0">
+            <a:schemeClr val="accent1"/>
+          </a:effectRef>
+          <a:fontRef idx="minor">
+            <a:schemeClr val="lt1"/>
+          </a:fontRef>
+        </p:style>
+        <p:txBody>
+          <a:bodyPr rtlCol="0" anchor="ctr"/>
+          <a:lstStyle/>
+          <a:p>
+            <a:pPr algn="ctr"/>
+            <a:r>
+              <a:rPr lang="en-US" altLang="zh-CN" sz="1100" dirty="0"/>
+              <a:t>5</a:t>
+            </a:r>
+            <a:endParaRPr lang="zh-CN" altLang="en-US" sz="1100" dirty="0"/>
+          </a:p>
+        </p:txBody>
+      </p:sp>
     </p:spTree>
     <p:extLst>
       <p:ext uri="{BB962C8B-B14F-4D97-AF65-F5344CB8AC3E}">

--- a/Think.pptx
+++ b/Think.pptx
@@ -5,7 +5,9 @@
     <p:sldMasterId id="2147483648" r:id="rId1"/>
   </p:sldMasterIdLst>
   <p:sldIdLst>
-    <p:sldId id="256" r:id="rId2"/>
+    <p:sldId id="258" r:id="rId2"/>
+    <p:sldId id="256" r:id="rId3"/>
+    <p:sldId id="257" r:id="rId4"/>
   </p:sldIdLst>
   <p:sldSz cx="12192000" cy="6858000"/>
   <p:notesSz cx="6858000" cy="9144000"/>
@@ -104,6 +106,11 @@
       </a:defRPr>
     </a:lvl9pPr>
   </p:defaultTextStyle>
+  <p:extLst>
+    <p:ext uri="{EFAFB233-063F-42B5-8137-9DF3F51BA10A}">
+      <p15:sldGuideLst xmlns:p15="http://schemas.microsoft.com/office/powerpoint/2012/main"/>
+    </p:ext>
+  </p:extLst>
 </p:presentation>
 </file>
 
@@ -3323,6 +3330,771 @@
       </p:grpSpPr>
       <p:sp>
         <p:nvSpPr>
+          <p:cNvPr id="4" name="椭圆 3">
+            <a:extLst>
+              <a:ext uri="{FF2B5EF4-FFF2-40B4-BE49-F238E27FC236}">
+                <a16:creationId xmlns:a16="http://schemas.microsoft.com/office/drawing/2014/main" id="{EA87B701-DDFA-D230-F9A8-CAAD07D618C2}"/>
+              </a:ext>
+            </a:extLst>
+          </p:cNvPr>
+          <p:cNvSpPr/>
+          <p:nvPr/>
+        </p:nvSpPr>
+        <p:spPr>
+          <a:xfrm>
+            <a:off x="5271484" y="5070723"/>
+            <a:ext cx="995966" cy="299720"/>
+          </a:xfrm>
+          <a:prstGeom prst="ellipse">
+            <a:avLst/>
+          </a:prstGeom>
+          <a:ln>
+            <a:solidFill>
+              <a:schemeClr val="tx1"/>
+            </a:solidFill>
+          </a:ln>
+        </p:spPr>
+        <p:style>
+          <a:lnRef idx="2">
+            <a:schemeClr val="accent1">
+              <a:shade val="50000"/>
+            </a:schemeClr>
+          </a:lnRef>
+          <a:fillRef idx="1">
+            <a:schemeClr val="accent1"/>
+          </a:fillRef>
+          <a:effectRef idx="0">
+            <a:schemeClr val="accent1"/>
+          </a:effectRef>
+          <a:fontRef idx="minor">
+            <a:schemeClr val="lt1"/>
+          </a:fontRef>
+        </p:style>
+        <p:txBody>
+          <a:bodyPr rtlCol="0" anchor="ctr"/>
+          <a:lstStyle/>
+          <a:p>
+            <a:pPr algn="ctr"/>
+            <a:r>
+              <a:rPr lang="en-US" altLang="zh-CN" sz="700" dirty="0"/>
+              <a:t>Distance</a:t>
+            </a:r>
+          </a:p>
+        </p:txBody>
+      </p:sp>
+      <p:sp>
+        <p:nvSpPr>
+          <p:cNvPr id="5" name="椭圆 4">
+            <a:extLst>
+              <a:ext uri="{FF2B5EF4-FFF2-40B4-BE49-F238E27FC236}">
+                <a16:creationId xmlns:a16="http://schemas.microsoft.com/office/drawing/2014/main" id="{3EB18FFA-4D43-90D7-ECCC-04F0762562A7}"/>
+              </a:ext>
+            </a:extLst>
+          </p:cNvPr>
+          <p:cNvSpPr/>
+          <p:nvPr/>
+        </p:nvSpPr>
+        <p:spPr>
+          <a:xfrm>
+            <a:off x="5271484" y="4493491"/>
+            <a:ext cx="995966" cy="299720"/>
+          </a:xfrm>
+          <a:prstGeom prst="ellipse">
+            <a:avLst/>
+          </a:prstGeom>
+          <a:ln>
+            <a:solidFill>
+              <a:schemeClr val="tx1"/>
+            </a:solidFill>
+          </a:ln>
+        </p:spPr>
+        <p:style>
+          <a:lnRef idx="2">
+            <a:schemeClr val="accent1">
+              <a:shade val="50000"/>
+            </a:schemeClr>
+          </a:lnRef>
+          <a:fillRef idx="1">
+            <a:schemeClr val="accent1"/>
+          </a:fillRef>
+          <a:effectRef idx="0">
+            <a:schemeClr val="accent1"/>
+          </a:effectRef>
+          <a:fontRef idx="minor">
+            <a:schemeClr val="lt1"/>
+          </a:fontRef>
+        </p:style>
+        <p:txBody>
+          <a:bodyPr rtlCol="0" anchor="ctr"/>
+          <a:lstStyle/>
+          <a:p>
+            <a:pPr algn="ctr"/>
+            <a:r>
+              <a:rPr lang="en-US" altLang="zh-CN" sz="600" dirty="0" err="1"/>
+              <a:t>BeenAttacked</a:t>
+            </a:r>
+            <a:endParaRPr lang="en-US" altLang="zh-CN" sz="600" dirty="0"/>
+          </a:p>
+        </p:txBody>
+      </p:sp>
+      <p:sp>
+        <p:nvSpPr>
+          <p:cNvPr id="6" name="椭圆 5">
+            <a:extLst>
+              <a:ext uri="{FF2B5EF4-FFF2-40B4-BE49-F238E27FC236}">
+                <a16:creationId xmlns:a16="http://schemas.microsoft.com/office/drawing/2014/main" id="{C426D441-D70A-1A27-44D0-926F83991860}"/>
+              </a:ext>
+            </a:extLst>
+          </p:cNvPr>
+          <p:cNvSpPr/>
+          <p:nvPr/>
+        </p:nvSpPr>
+        <p:spPr>
+          <a:xfrm>
+            <a:off x="5271484" y="3916259"/>
+            <a:ext cx="995966" cy="299720"/>
+          </a:xfrm>
+          <a:prstGeom prst="ellipse">
+            <a:avLst/>
+          </a:prstGeom>
+          <a:ln>
+            <a:solidFill>
+              <a:schemeClr val="tx1"/>
+            </a:solidFill>
+          </a:ln>
+        </p:spPr>
+        <p:style>
+          <a:lnRef idx="2">
+            <a:schemeClr val="accent1">
+              <a:shade val="50000"/>
+            </a:schemeClr>
+          </a:lnRef>
+          <a:fillRef idx="1">
+            <a:schemeClr val="accent1"/>
+          </a:fillRef>
+          <a:effectRef idx="0">
+            <a:schemeClr val="accent1"/>
+          </a:effectRef>
+          <a:fontRef idx="minor">
+            <a:schemeClr val="lt1"/>
+          </a:fontRef>
+        </p:style>
+        <p:txBody>
+          <a:bodyPr rtlCol="0" anchor="ctr"/>
+          <a:lstStyle/>
+          <a:p>
+            <a:pPr algn="ctr"/>
+            <a:r>
+              <a:rPr lang="en-US" altLang="zh-CN" sz="700" dirty="0" err="1"/>
+              <a:t>GetTarget</a:t>
+            </a:r>
+            <a:endParaRPr lang="en-US" altLang="zh-CN" sz="700" dirty="0"/>
+          </a:p>
+        </p:txBody>
+      </p:sp>
+      <p:sp>
+        <p:nvSpPr>
+          <p:cNvPr id="7" name="椭圆 6">
+            <a:extLst>
+              <a:ext uri="{FF2B5EF4-FFF2-40B4-BE49-F238E27FC236}">
+                <a16:creationId xmlns:a16="http://schemas.microsoft.com/office/drawing/2014/main" id="{AB901353-AEE8-A0B4-C92D-509CFA344F9F}"/>
+              </a:ext>
+            </a:extLst>
+          </p:cNvPr>
+          <p:cNvSpPr/>
+          <p:nvPr/>
+        </p:nvSpPr>
+        <p:spPr>
+          <a:xfrm>
+            <a:off x="5271484" y="3349927"/>
+            <a:ext cx="995966" cy="299720"/>
+          </a:xfrm>
+          <a:prstGeom prst="ellipse">
+            <a:avLst/>
+          </a:prstGeom>
+          <a:ln>
+            <a:solidFill>
+              <a:schemeClr val="tx1"/>
+            </a:solidFill>
+          </a:ln>
+        </p:spPr>
+        <p:style>
+          <a:lnRef idx="2">
+            <a:schemeClr val="accent1">
+              <a:shade val="50000"/>
+            </a:schemeClr>
+          </a:lnRef>
+          <a:fillRef idx="1">
+            <a:schemeClr val="accent1"/>
+          </a:fillRef>
+          <a:effectRef idx="0">
+            <a:schemeClr val="accent1"/>
+          </a:effectRef>
+          <a:fontRef idx="minor">
+            <a:schemeClr val="lt1"/>
+          </a:fontRef>
+        </p:style>
+        <p:txBody>
+          <a:bodyPr rtlCol="0" anchor="ctr"/>
+          <a:lstStyle/>
+          <a:p>
+            <a:pPr algn="ctr"/>
+            <a:r>
+              <a:rPr lang="en-US" altLang="zh-CN" sz="700" dirty="0" err="1"/>
+              <a:t>PlayerIsDead</a:t>
+            </a:r>
+            <a:endParaRPr lang="en-US" altLang="zh-CN" sz="700" dirty="0"/>
+          </a:p>
+        </p:txBody>
+      </p:sp>
+      <p:sp>
+        <p:nvSpPr>
+          <p:cNvPr id="8" name="椭圆 7">
+            <a:extLst>
+              <a:ext uri="{FF2B5EF4-FFF2-40B4-BE49-F238E27FC236}">
+                <a16:creationId xmlns:a16="http://schemas.microsoft.com/office/drawing/2014/main" id="{9ADE0F46-FF79-FDE5-4E77-88DD99BB6CB7}"/>
+              </a:ext>
+            </a:extLst>
+          </p:cNvPr>
+          <p:cNvSpPr/>
+          <p:nvPr/>
+        </p:nvSpPr>
+        <p:spPr>
+          <a:xfrm>
+            <a:off x="5271484" y="2788358"/>
+            <a:ext cx="995966" cy="299720"/>
+          </a:xfrm>
+          <a:prstGeom prst="ellipse">
+            <a:avLst/>
+          </a:prstGeom>
+          <a:ln>
+            <a:solidFill>
+              <a:schemeClr val="tx1"/>
+            </a:solidFill>
+          </a:ln>
+        </p:spPr>
+        <p:style>
+          <a:lnRef idx="2">
+            <a:schemeClr val="accent1">
+              <a:shade val="50000"/>
+            </a:schemeClr>
+          </a:lnRef>
+          <a:fillRef idx="1">
+            <a:schemeClr val="accent1"/>
+          </a:fillRef>
+          <a:effectRef idx="0">
+            <a:schemeClr val="accent1"/>
+          </a:effectRef>
+          <a:fontRef idx="minor">
+            <a:schemeClr val="lt1"/>
+          </a:fontRef>
+        </p:style>
+        <p:txBody>
+          <a:bodyPr rtlCol="0" anchor="ctr"/>
+          <a:lstStyle/>
+          <a:p>
+            <a:pPr algn="ctr"/>
+            <a:r>
+              <a:rPr lang="zh-CN" altLang="en-US" sz="700" dirty="0"/>
+              <a:t>（</a:t>
+            </a:r>
+            <a:r>
+              <a:rPr lang="en-US" altLang="zh-CN" sz="700" dirty="0"/>
+              <a:t>Self</a:t>
+            </a:r>
+            <a:r>
+              <a:rPr lang="zh-CN" altLang="en-US" sz="700" dirty="0"/>
+              <a:t>）</a:t>
+            </a:r>
+            <a:r>
+              <a:rPr lang="en-US" altLang="zh-CN" sz="700" dirty="0" err="1"/>
+              <a:t>IsDead</a:t>
+            </a:r>
+            <a:endParaRPr lang="en-US" altLang="zh-CN" sz="700" dirty="0"/>
+          </a:p>
+        </p:txBody>
+      </p:sp>
+      <p:sp>
+        <p:nvSpPr>
+          <p:cNvPr id="9" name="矩形 8">
+            <a:extLst>
+              <a:ext uri="{FF2B5EF4-FFF2-40B4-BE49-F238E27FC236}">
+                <a16:creationId xmlns:a16="http://schemas.microsoft.com/office/drawing/2014/main" id="{D0FC41D0-F1E2-66FD-D911-A9AFD9A755C0}"/>
+              </a:ext>
+            </a:extLst>
+          </p:cNvPr>
+          <p:cNvSpPr/>
+          <p:nvPr/>
+        </p:nvSpPr>
+        <p:spPr>
+          <a:xfrm>
+            <a:off x="7643209" y="3700463"/>
+            <a:ext cx="609601" cy="215796"/>
+          </a:xfrm>
+          <a:prstGeom prst="rect">
+            <a:avLst/>
+          </a:prstGeom>
+          <a:ln>
+            <a:solidFill>
+              <a:schemeClr val="tx1"/>
+            </a:solidFill>
+          </a:ln>
+        </p:spPr>
+        <p:style>
+          <a:lnRef idx="2">
+            <a:schemeClr val="accent1">
+              <a:shade val="50000"/>
+            </a:schemeClr>
+          </a:lnRef>
+          <a:fillRef idx="1">
+            <a:schemeClr val="accent1"/>
+          </a:fillRef>
+          <a:effectRef idx="0">
+            <a:schemeClr val="accent1"/>
+          </a:effectRef>
+          <a:fontRef idx="minor">
+            <a:schemeClr val="lt1"/>
+          </a:fontRef>
+        </p:style>
+        <p:txBody>
+          <a:bodyPr rtlCol="0" anchor="ctr"/>
+          <a:lstStyle/>
+          <a:p>
+            <a:pPr algn="ctr"/>
+            <a:r>
+              <a:rPr lang="en-US" altLang="zh-CN" sz="1100" dirty="0"/>
+              <a:t>Laugh</a:t>
+            </a:r>
+            <a:endParaRPr lang="zh-CN" altLang="en-US" sz="1100" dirty="0"/>
+          </a:p>
+        </p:txBody>
+      </p:sp>
+      <p:sp>
+        <p:nvSpPr>
+          <p:cNvPr id="10" name="矩形 9">
+            <a:extLst>
+              <a:ext uri="{FF2B5EF4-FFF2-40B4-BE49-F238E27FC236}">
+                <a16:creationId xmlns:a16="http://schemas.microsoft.com/office/drawing/2014/main" id="{595BCD68-2874-1556-9368-515184B8F77D}"/>
+              </a:ext>
+            </a:extLst>
+          </p:cNvPr>
+          <p:cNvSpPr/>
+          <p:nvPr/>
+        </p:nvSpPr>
+        <p:spPr>
+          <a:xfrm>
+            <a:off x="8924923" y="3541749"/>
+            <a:ext cx="995966" cy="215796"/>
+          </a:xfrm>
+          <a:prstGeom prst="rect">
+            <a:avLst/>
+          </a:prstGeom>
+          <a:ln>
+            <a:solidFill>
+              <a:schemeClr val="tx1"/>
+            </a:solidFill>
+          </a:ln>
+        </p:spPr>
+        <p:style>
+          <a:lnRef idx="2">
+            <a:schemeClr val="accent1">
+              <a:shade val="50000"/>
+            </a:schemeClr>
+          </a:lnRef>
+          <a:fillRef idx="1">
+            <a:schemeClr val="accent1"/>
+          </a:fillRef>
+          <a:effectRef idx="0">
+            <a:schemeClr val="accent1"/>
+          </a:effectRef>
+          <a:fontRef idx="minor">
+            <a:schemeClr val="lt1"/>
+          </a:fontRef>
+        </p:style>
+        <p:txBody>
+          <a:bodyPr rtlCol="0" anchor="ctr"/>
+          <a:lstStyle/>
+          <a:p>
+            <a:pPr algn="ctr"/>
+            <a:r>
+              <a:rPr lang="en-US" altLang="zh-CN" sz="1100" dirty="0" err="1"/>
+              <a:t>UnarmedIdle</a:t>
+            </a:r>
+            <a:endParaRPr lang="zh-CN" altLang="en-US" sz="1100" dirty="0"/>
+          </a:p>
+        </p:txBody>
+      </p:sp>
+      <p:sp>
+        <p:nvSpPr>
+          <p:cNvPr id="11" name="矩形 10">
+            <a:extLst>
+              <a:ext uri="{FF2B5EF4-FFF2-40B4-BE49-F238E27FC236}">
+                <a16:creationId xmlns:a16="http://schemas.microsoft.com/office/drawing/2014/main" id="{1938754A-43C1-2DE6-014D-B09F58FFE965}"/>
+              </a:ext>
+            </a:extLst>
+          </p:cNvPr>
+          <p:cNvSpPr/>
+          <p:nvPr/>
+        </p:nvSpPr>
+        <p:spPr>
+          <a:xfrm>
+            <a:off x="8924923" y="3208353"/>
+            <a:ext cx="995966" cy="215796"/>
+          </a:xfrm>
+          <a:prstGeom prst="rect">
+            <a:avLst/>
+          </a:prstGeom>
+          <a:ln>
+            <a:solidFill>
+              <a:schemeClr val="tx1"/>
+            </a:solidFill>
+          </a:ln>
+        </p:spPr>
+        <p:style>
+          <a:lnRef idx="2">
+            <a:schemeClr val="accent1">
+              <a:shade val="50000"/>
+            </a:schemeClr>
+          </a:lnRef>
+          <a:fillRef idx="1">
+            <a:schemeClr val="accent1"/>
+          </a:fillRef>
+          <a:effectRef idx="0">
+            <a:schemeClr val="accent1"/>
+          </a:effectRef>
+          <a:fontRef idx="minor">
+            <a:schemeClr val="lt1"/>
+          </a:fontRef>
+        </p:style>
+        <p:txBody>
+          <a:bodyPr rtlCol="0" anchor="ctr"/>
+          <a:lstStyle/>
+          <a:p>
+            <a:pPr algn="ctr"/>
+            <a:r>
+              <a:rPr lang="en-US" altLang="zh-CN" sz="1100" dirty="0" err="1"/>
+              <a:t>EquipSword</a:t>
+            </a:r>
+            <a:endParaRPr lang="zh-CN" altLang="en-US" sz="1100" dirty="0"/>
+          </a:p>
+        </p:txBody>
+      </p:sp>
+      <p:sp>
+        <p:nvSpPr>
+          <p:cNvPr id="14" name="等腰三角形 13">
+            <a:extLst>
+              <a:ext uri="{FF2B5EF4-FFF2-40B4-BE49-F238E27FC236}">
+                <a16:creationId xmlns:a16="http://schemas.microsoft.com/office/drawing/2014/main" id="{71911118-4C40-836E-70EA-54E5FCC34A84}"/>
+              </a:ext>
+            </a:extLst>
+          </p:cNvPr>
+          <p:cNvSpPr/>
+          <p:nvPr/>
+        </p:nvSpPr>
+        <p:spPr>
+          <a:xfrm rot="16200000">
+            <a:off x="6930699" y="3403875"/>
+            <a:ext cx="209550" cy="191822"/>
+          </a:xfrm>
+          <a:prstGeom prst="triangle">
+            <a:avLst/>
+          </a:prstGeom>
+          <a:ln>
+            <a:solidFill>
+              <a:schemeClr val="tx1"/>
+            </a:solidFill>
+          </a:ln>
+        </p:spPr>
+        <p:style>
+          <a:lnRef idx="2">
+            <a:schemeClr val="accent1">
+              <a:shade val="50000"/>
+            </a:schemeClr>
+          </a:lnRef>
+          <a:fillRef idx="1">
+            <a:schemeClr val="accent1"/>
+          </a:fillRef>
+          <a:effectRef idx="0">
+            <a:schemeClr val="accent1"/>
+          </a:effectRef>
+          <a:fontRef idx="minor">
+            <a:schemeClr val="lt1"/>
+          </a:fontRef>
+        </p:style>
+        <p:txBody>
+          <a:bodyPr rtlCol="0" anchor="ctr"/>
+          <a:lstStyle/>
+          <a:p>
+            <a:pPr algn="ctr"/>
+            <a:endParaRPr lang="zh-CN" altLang="en-US"/>
+          </a:p>
+        </p:txBody>
+      </p:sp>
+      <p:cxnSp>
+        <p:nvCxnSpPr>
+          <p:cNvPr id="16" name="连接符: 肘形 15">
+            <a:extLst>
+              <a:ext uri="{FF2B5EF4-FFF2-40B4-BE49-F238E27FC236}">
+                <a16:creationId xmlns:a16="http://schemas.microsoft.com/office/drawing/2014/main" id="{052BAF03-9947-23D5-87D9-AB1552948FAF}"/>
+              </a:ext>
+            </a:extLst>
+          </p:cNvPr>
+          <p:cNvCxnSpPr>
+            <a:stCxn id="14" idx="0"/>
+            <a:endCxn id="7" idx="6"/>
+          </p:cNvCxnSpPr>
+          <p:nvPr/>
+        </p:nvCxnSpPr>
+        <p:spPr>
+          <a:xfrm rot="10800000" flipV="1">
+            <a:off x="6267451" y="3499785"/>
+            <a:ext cx="672113" cy="1"/>
+          </a:xfrm>
+          <a:prstGeom prst="bentConnector3">
+            <a:avLst/>
+          </a:prstGeom>
+          <a:ln w="12700">
+            <a:solidFill>
+              <a:schemeClr val="tx1"/>
+            </a:solidFill>
+          </a:ln>
+        </p:spPr>
+        <p:style>
+          <a:lnRef idx="1">
+            <a:schemeClr val="accent1"/>
+          </a:lnRef>
+          <a:fillRef idx="0">
+            <a:schemeClr val="accent1"/>
+          </a:fillRef>
+          <a:effectRef idx="0">
+            <a:schemeClr val="accent1"/>
+          </a:effectRef>
+          <a:fontRef idx="minor">
+            <a:schemeClr val="tx1"/>
+          </a:fontRef>
+        </p:style>
+      </p:cxnSp>
+      <p:cxnSp>
+        <p:nvCxnSpPr>
+          <p:cNvPr id="19" name="连接符: 肘形 18">
+            <a:extLst>
+              <a:ext uri="{FF2B5EF4-FFF2-40B4-BE49-F238E27FC236}">
+                <a16:creationId xmlns:a16="http://schemas.microsoft.com/office/drawing/2014/main" id="{3AFD59B5-E213-33FD-E684-44DA8D8C2CC6}"/>
+              </a:ext>
+            </a:extLst>
+          </p:cNvPr>
+          <p:cNvCxnSpPr>
+            <a:stCxn id="14" idx="3"/>
+            <a:endCxn id="9" idx="1"/>
+          </p:cNvCxnSpPr>
+          <p:nvPr/>
+        </p:nvCxnSpPr>
+        <p:spPr>
+          <a:xfrm>
+            <a:off x="7131385" y="3499786"/>
+            <a:ext cx="511824" cy="308575"/>
+          </a:xfrm>
+          <a:prstGeom prst="bentConnector3">
+            <a:avLst/>
+          </a:prstGeom>
+          <a:ln w="12700">
+            <a:solidFill>
+              <a:schemeClr val="tx1"/>
+            </a:solidFill>
+          </a:ln>
+        </p:spPr>
+        <p:style>
+          <a:lnRef idx="1">
+            <a:schemeClr val="accent1"/>
+          </a:lnRef>
+          <a:fillRef idx="0">
+            <a:schemeClr val="accent1"/>
+          </a:fillRef>
+          <a:effectRef idx="0">
+            <a:schemeClr val="accent1"/>
+          </a:effectRef>
+          <a:fontRef idx="minor">
+            <a:schemeClr val="tx1"/>
+          </a:fontRef>
+        </p:style>
+      </p:cxnSp>
+      <p:cxnSp>
+        <p:nvCxnSpPr>
+          <p:cNvPr id="20" name="连接符: 肘形 19">
+            <a:extLst>
+              <a:ext uri="{FF2B5EF4-FFF2-40B4-BE49-F238E27FC236}">
+                <a16:creationId xmlns:a16="http://schemas.microsoft.com/office/drawing/2014/main" id="{09C62201-9177-B469-88FE-72EAF5B9A7E0}"/>
+              </a:ext>
+            </a:extLst>
+          </p:cNvPr>
+          <p:cNvCxnSpPr>
+            <a:cxnSpLocks/>
+            <a:stCxn id="14" idx="3"/>
+            <a:endCxn id="11" idx="1"/>
+          </p:cNvCxnSpPr>
+          <p:nvPr/>
+        </p:nvCxnSpPr>
+        <p:spPr>
+          <a:xfrm flipV="1">
+            <a:off x="7131385" y="3316251"/>
+            <a:ext cx="1793538" cy="183535"/>
+          </a:xfrm>
+          <a:prstGeom prst="bentConnector3">
+            <a:avLst/>
+          </a:prstGeom>
+          <a:ln w="12700">
+            <a:solidFill>
+              <a:schemeClr val="tx1"/>
+            </a:solidFill>
+          </a:ln>
+        </p:spPr>
+        <p:style>
+          <a:lnRef idx="1">
+            <a:schemeClr val="accent1"/>
+          </a:lnRef>
+          <a:fillRef idx="0">
+            <a:schemeClr val="accent1"/>
+          </a:fillRef>
+          <a:effectRef idx="0">
+            <a:schemeClr val="accent1"/>
+          </a:effectRef>
+          <a:fontRef idx="minor">
+            <a:schemeClr val="tx1"/>
+          </a:fontRef>
+        </p:style>
+      </p:cxnSp>
+      <p:cxnSp>
+        <p:nvCxnSpPr>
+          <p:cNvPr id="23" name="连接符: 肘形 22">
+            <a:extLst>
+              <a:ext uri="{FF2B5EF4-FFF2-40B4-BE49-F238E27FC236}">
+                <a16:creationId xmlns:a16="http://schemas.microsoft.com/office/drawing/2014/main" id="{B7A055D8-1946-B92E-DE66-CB0464CECA98}"/>
+              </a:ext>
+            </a:extLst>
+          </p:cNvPr>
+          <p:cNvCxnSpPr>
+            <a:cxnSpLocks/>
+            <a:stCxn id="14" idx="3"/>
+            <a:endCxn id="10" idx="1"/>
+          </p:cNvCxnSpPr>
+          <p:nvPr/>
+        </p:nvCxnSpPr>
+        <p:spPr>
+          <a:xfrm>
+            <a:off x="7131385" y="3499786"/>
+            <a:ext cx="1793538" cy="149861"/>
+          </a:xfrm>
+          <a:prstGeom prst="bentConnector3">
+            <a:avLst/>
+          </a:prstGeom>
+          <a:ln w="12700">
+            <a:solidFill>
+              <a:schemeClr val="tx1"/>
+            </a:solidFill>
+          </a:ln>
+        </p:spPr>
+        <p:style>
+          <a:lnRef idx="1">
+            <a:schemeClr val="accent1"/>
+          </a:lnRef>
+          <a:fillRef idx="0">
+            <a:schemeClr val="accent1"/>
+          </a:fillRef>
+          <a:effectRef idx="0">
+            <a:schemeClr val="accent1"/>
+          </a:effectRef>
+          <a:fontRef idx="minor">
+            <a:schemeClr val="tx1"/>
+          </a:fontRef>
+        </p:style>
+      </p:cxnSp>
+      <p:sp>
+        <p:nvSpPr>
+          <p:cNvPr id="26" name="椭圆 25">
+            <a:extLst>
+              <a:ext uri="{FF2B5EF4-FFF2-40B4-BE49-F238E27FC236}">
+                <a16:creationId xmlns:a16="http://schemas.microsoft.com/office/drawing/2014/main" id="{4040011E-B7ED-F93A-D812-7C2A38DA9F62}"/>
+              </a:ext>
+            </a:extLst>
+          </p:cNvPr>
+          <p:cNvSpPr/>
+          <p:nvPr/>
+        </p:nvSpPr>
+        <p:spPr>
+          <a:xfrm>
+            <a:off x="7810499" y="3424149"/>
+            <a:ext cx="609602" cy="149862"/>
+          </a:xfrm>
+          <a:prstGeom prst="ellipse">
+            <a:avLst/>
+          </a:prstGeom>
+          <a:ln>
+            <a:solidFill>
+              <a:schemeClr val="tx1"/>
+            </a:solidFill>
+          </a:ln>
+        </p:spPr>
+        <p:style>
+          <a:lnRef idx="2">
+            <a:schemeClr val="accent1">
+              <a:shade val="50000"/>
+            </a:schemeClr>
+          </a:lnRef>
+          <a:fillRef idx="1">
+            <a:schemeClr val="accent1"/>
+          </a:fillRef>
+          <a:effectRef idx="0">
+            <a:schemeClr val="accent1"/>
+          </a:effectRef>
+          <a:fontRef idx="minor">
+            <a:schemeClr val="lt1"/>
+          </a:fontRef>
+        </p:style>
+        <p:txBody>
+          <a:bodyPr rtlCol="0" anchor="ctr"/>
+          <a:lstStyle/>
+          <a:p>
+            <a:pPr algn="ctr"/>
+            <a:r>
+              <a:rPr lang="en-US" altLang="zh-CN" sz="400" dirty="0" err="1"/>
+              <a:t>GetTarget</a:t>
+            </a:r>
+            <a:endParaRPr lang="en-US" altLang="zh-CN" sz="400" dirty="0"/>
+          </a:p>
+        </p:txBody>
+      </p:sp>
+    </p:spTree>
+    <p:extLst>
+      <p:ext uri="{BB962C8B-B14F-4D97-AF65-F5344CB8AC3E}">
+        <p14:creationId xmlns:p14="http://schemas.microsoft.com/office/powerpoint/2010/main" val="3576139734"/>
+      </p:ext>
+    </p:extLst>
+  </p:cSld>
+  <p:clrMapOvr>
+    <a:masterClrMapping/>
+  </p:clrMapOvr>
+</p:sld>
+</file>
+
+<file path=ppt/slides/slide2.xml><?xml version="1.0" encoding="utf-8"?>
+<p:sld xmlns:a="http://schemas.openxmlformats.org/drawingml/2006/main" xmlns:r="http://schemas.openxmlformats.org/officeDocument/2006/relationships" xmlns:p="http://schemas.openxmlformats.org/presentationml/2006/main">
+  <p:cSld>
+    <p:spTree>
+      <p:nvGrpSpPr>
+        <p:cNvPr id="1" name=""/>
+        <p:cNvGrpSpPr/>
+        <p:nvPr/>
+      </p:nvGrpSpPr>
+      <p:grpSpPr>
+        <a:xfrm>
+          <a:off x="0" y="0"/>
+          <a:ext cx="0" cy="0"/>
+          <a:chOff x="0" y="0"/>
+          <a:chExt cx="0" cy="0"/>
+        </a:xfrm>
+      </p:grpSpPr>
+      <p:sp>
+        <p:nvSpPr>
           <p:cNvPr id="4" name="矩形 3">
             <a:extLst>
               <a:ext uri="{FF2B5EF4-FFF2-40B4-BE49-F238E27FC236}">
@@ -3689,7 +4461,7 @@
           <a:prstGeom prst="bentConnector3">
             <a:avLst/>
           </a:prstGeom>
-          <a:ln>
+          <a:ln w="12700">
             <a:solidFill>
               <a:schemeClr val="tx1"/>
             </a:solidFill>
@@ -3734,7 +4506,7 @@
           <a:prstGeom prst="bentConnector3">
             <a:avLst/>
           </a:prstGeom>
-          <a:ln>
+          <a:ln w="12700">
             <a:solidFill>
               <a:schemeClr val="tx1"/>
             </a:solidFill>
@@ -3779,7 +4551,7 @@
           <a:prstGeom prst="bentConnector3">
             <a:avLst/>
           </a:prstGeom>
-          <a:ln>
+          <a:ln w="12700">
             <a:solidFill>
               <a:schemeClr val="tx1"/>
             </a:solidFill>
@@ -3826,7 +4598,7 @@
               <a:gd name="adj1" fmla="val 50000"/>
             </a:avLst>
           </a:prstGeom>
-          <a:ln>
+          <a:ln w="12700">
             <a:solidFill>
               <a:schemeClr val="tx1"/>
             </a:solidFill>
@@ -3873,7 +4645,7 @@
               <a:gd name="adj1" fmla="val 50000"/>
             </a:avLst>
           </a:prstGeom>
-          <a:ln>
+          <a:ln w="12700">
             <a:solidFill>
               <a:schemeClr val="tx1"/>
             </a:solidFill>
@@ -3920,7 +4692,7 @@
               <a:gd name="adj1" fmla="val 50000"/>
             </a:avLst>
           </a:prstGeom>
-          <a:ln>
+          <a:ln w="12700">
             <a:solidFill>
               <a:schemeClr val="tx1"/>
             </a:solidFill>
@@ -3957,6 +4729,229 @@
           <a:xfrm>
             <a:off x="590043" y="5377522"/>
             <a:ext cx="450148" cy="354150"/>
+          </a:xfrm>
+          <a:prstGeom prst="rect">
+            <a:avLst/>
+          </a:prstGeom>
+          <a:solidFill>
+            <a:schemeClr val="accent1"/>
+          </a:solidFill>
+          <a:ln>
+            <a:solidFill>
+              <a:schemeClr val="tx1"/>
+            </a:solidFill>
+          </a:ln>
+        </p:spPr>
+        <p:style>
+          <a:lnRef idx="2">
+            <a:schemeClr val="accent1">
+              <a:shade val="50000"/>
+            </a:schemeClr>
+          </a:lnRef>
+          <a:fillRef idx="1">
+            <a:schemeClr val="accent1"/>
+          </a:fillRef>
+          <a:effectRef idx="0">
+            <a:schemeClr val="accent1"/>
+          </a:effectRef>
+          <a:fontRef idx="minor">
+            <a:schemeClr val="lt1"/>
+          </a:fontRef>
+        </p:style>
+        <p:txBody>
+          <a:bodyPr rtlCol="0" anchor="ctr"/>
+          <a:lstStyle/>
+          <a:p>
+            <a:pPr algn="ctr"/>
+            <a:r>
+              <a:rPr lang="en-US" altLang="zh-CN" sz="400" dirty="0"/>
+              <a:t>10M</a:t>
+            </a:r>
+          </a:p>
+          <a:p>
+            <a:pPr algn="ctr"/>
+            <a:r>
+              <a:rPr lang="en-US" altLang="zh-CN" sz="400" dirty="0"/>
+              <a:t>Charge</a:t>
+            </a:r>
+          </a:p>
+        </p:txBody>
+      </p:sp>
+      <p:sp>
+        <p:nvSpPr>
+          <p:cNvPr id="33" name="矩形 32">
+            <a:extLst>
+              <a:ext uri="{FF2B5EF4-FFF2-40B4-BE49-F238E27FC236}">
+                <a16:creationId xmlns:a16="http://schemas.microsoft.com/office/drawing/2014/main" id="{B034E2DC-CE6D-03D6-B42A-211FD2DC3DE6}"/>
+              </a:ext>
+            </a:extLst>
+          </p:cNvPr>
+          <p:cNvSpPr/>
+          <p:nvPr/>
+        </p:nvSpPr>
+        <p:spPr>
+          <a:xfrm>
+            <a:off x="4029475" y="5375516"/>
+            <a:ext cx="395901" cy="354150"/>
+          </a:xfrm>
+          <a:prstGeom prst="rect">
+            <a:avLst/>
+          </a:prstGeom>
+          <a:ln>
+            <a:solidFill>
+              <a:schemeClr val="tx1"/>
+            </a:solidFill>
+          </a:ln>
+        </p:spPr>
+        <p:style>
+          <a:lnRef idx="2">
+            <a:schemeClr val="accent1">
+              <a:shade val="50000"/>
+            </a:schemeClr>
+          </a:lnRef>
+          <a:fillRef idx="1">
+            <a:schemeClr val="accent1"/>
+          </a:fillRef>
+          <a:effectRef idx="0">
+            <a:schemeClr val="accent1"/>
+          </a:effectRef>
+          <a:fontRef idx="minor">
+            <a:schemeClr val="lt1"/>
+          </a:fontRef>
+        </p:style>
+        <p:txBody>
+          <a:bodyPr rtlCol="0" anchor="ctr"/>
+          <a:lstStyle/>
+          <a:p>
+            <a:pPr algn="ctr"/>
+            <a:r>
+              <a:rPr lang="en-US" altLang="zh-CN" sz="400" dirty="0"/>
+              <a:t>2.5M</a:t>
+            </a:r>
+          </a:p>
+          <a:p>
+            <a:pPr algn="ctr"/>
+            <a:r>
+              <a:rPr lang="en-US" altLang="zh-CN" sz="400" dirty="0"/>
+              <a:t>1/3Attack</a:t>
+            </a:r>
+          </a:p>
+        </p:txBody>
+      </p:sp>
+      <p:sp>
+        <p:nvSpPr>
+          <p:cNvPr id="34" name="椭圆 33">
+            <a:extLst>
+              <a:ext uri="{FF2B5EF4-FFF2-40B4-BE49-F238E27FC236}">
+                <a16:creationId xmlns:a16="http://schemas.microsoft.com/office/drawing/2014/main" id="{AF6A6713-FB47-39CE-3AAA-A2292C6C02ED}"/>
+              </a:ext>
+            </a:extLst>
+          </p:cNvPr>
+          <p:cNvSpPr/>
+          <p:nvPr/>
+        </p:nvSpPr>
+        <p:spPr>
+          <a:xfrm>
+            <a:off x="4330047" y="4467048"/>
+            <a:ext cx="342475" cy="326907"/>
+          </a:xfrm>
+          <a:prstGeom prst="ellipse">
+            <a:avLst/>
+          </a:prstGeom>
+          <a:ln>
+            <a:solidFill>
+              <a:schemeClr val="tx1"/>
+            </a:solidFill>
+          </a:ln>
+        </p:spPr>
+        <p:style>
+          <a:lnRef idx="2">
+            <a:schemeClr val="accent1">
+              <a:shade val="50000"/>
+            </a:schemeClr>
+          </a:lnRef>
+          <a:fillRef idx="1">
+            <a:schemeClr val="accent1"/>
+          </a:fillRef>
+          <a:effectRef idx="0">
+            <a:schemeClr val="accent1"/>
+          </a:effectRef>
+          <a:fontRef idx="minor">
+            <a:schemeClr val="lt1"/>
+          </a:fontRef>
+        </p:style>
+        <p:txBody>
+          <a:bodyPr rtlCol="0" anchor="ctr"/>
+          <a:lstStyle/>
+          <a:p>
+            <a:pPr algn="ctr"/>
+            <a:endParaRPr lang="zh-CN" altLang="en-US" sz="500" dirty="0"/>
+          </a:p>
+        </p:txBody>
+      </p:sp>
+      <p:cxnSp>
+        <p:nvCxnSpPr>
+          <p:cNvPr id="35" name="连接符: 肘形 34">
+            <a:extLst>
+              <a:ext uri="{FF2B5EF4-FFF2-40B4-BE49-F238E27FC236}">
+                <a16:creationId xmlns:a16="http://schemas.microsoft.com/office/drawing/2014/main" id="{1015AA5A-612A-6947-46F4-DB8BCADF8CBD}"/>
+              </a:ext>
+            </a:extLst>
+          </p:cNvPr>
+          <p:cNvCxnSpPr>
+            <a:cxnSpLocks/>
+            <a:stCxn id="34" idx="4"/>
+            <a:endCxn id="33" idx="0"/>
+          </p:cNvCxnSpPr>
+          <p:nvPr/>
+        </p:nvCxnSpPr>
+        <p:spPr>
+          <a:xfrm rot="5400000">
+            <a:off x="4073576" y="4947806"/>
+            <a:ext cx="581561" cy="273859"/>
+          </a:xfrm>
+          <a:prstGeom prst="bentConnector3">
+            <a:avLst>
+              <a:gd name="adj1" fmla="val 50000"/>
+            </a:avLst>
+          </a:prstGeom>
+          <a:ln w="12700">
+            <a:solidFill>
+              <a:schemeClr val="tx1"/>
+            </a:solidFill>
+          </a:ln>
+        </p:spPr>
+        <p:style>
+          <a:lnRef idx="1">
+            <a:schemeClr val="accent1"/>
+          </a:lnRef>
+          <a:fillRef idx="0">
+            <a:schemeClr val="accent1"/>
+          </a:fillRef>
+          <a:effectRef idx="0">
+            <a:schemeClr val="accent1"/>
+          </a:effectRef>
+          <a:fontRef idx="minor">
+            <a:schemeClr val="tx1"/>
+          </a:fontRef>
+        </p:style>
+      </p:cxnSp>
+      <p:sp>
+        <p:nvSpPr>
+          <p:cNvPr id="39" name="矩形 38">
+            <a:extLst>
+              <a:ext uri="{FF2B5EF4-FFF2-40B4-BE49-F238E27FC236}">
+                <a16:creationId xmlns:a16="http://schemas.microsoft.com/office/drawing/2014/main" id="{F87D0B7C-D042-A91D-B87E-8CE608581D43}"/>
+              </a:ext>
+            </a:extLst>
+          </p:cNvPr>
+          <p:cNvSpPr/>
+          <p:nvPr/>
+        </p:nvSpPr>
+        <p:spPr>
+          <a:xfrm>
+            <a:off x="4544739" y="5377522"/>
+            <a:ext cx="395901" cy="354150"/>
           </a:xfrm>
           <a:prstGeom prst="rect">
             <a:avLst/>
@@ -3995,239 +4990,14 @@
             <a:pPr algn="ctr"/>
             <a:r>
               <a:rPr lang="en-US" altLang="zh-CN" sz="400" dirty="0"/>
-              <a:t>10M</a:t>
+              <a:t>2.5M</a:t>
             </a:r>
           </a:p>
           <a:p>
             <a:pPr algn="ctr"/>
             <a:r>
               <a:rPr lang="en-US" altLang="zh-CN" sz="400" dirty="0"/>
-              <a:t>Charge</a:t>
-            </a:r>
-          </a:p>
-        </p:txBody>
-      </p:sp>
-      <p:sp>
-        <p:nvSpPr>
-          <p:cNvPr id="33" name="矩形 32">
-            <a:extLst>
-              <a:ext uri="{FF2B5EF4-FFF2-40B4-BE49-F238E27FC236}">
-                <a16:creationId xmlns:a16="http://schemas.microsoft.com/office/drawing/2014/main" id="{B034E2DC-CE6D-03D6-B42A-211FD2DC3DE6}"/>
-              </a:ext>
-            </a:extLst>
-          </p:cNvPr>
-          <p:cNvSpPr/>
-          <p:nvPr/>
-        </p:nvSpPr>
-        <p:spPr>
-          <a:xfrm>
-            <a:off x="4029475" y="5375516"/>
-            <a:ext cx="395901" cy="354150"/>
-          </a:xfrm>
-          <a:prstGeom prst="rect">
-            <a:avLst/>
-          </a:prstGeom>
-          <a:ln>
-            <a:solidFill>
-              <a:schemeClr val="tx1"/>
-            </a:solidFill>
-          </a:ln>
-        </p:spPr>
-        <p:style>
-          <a:lnRef idx="2">
-            <a:schemeClr val="accent1">
-              <a:shade val="50000"/>
-            </a:schemeClr>
-          </a:lnRef>
-          <a:fillRef idx="1">
-            <a:schemeClr val="accent1"/>
-          </a:fillRef>
-          <a:effectRef idx="0">
-            <a:schemeClr val="accent1"/>
-          </a:effectRef>
-          <a:fontRef idx="minor">
-            <a:schemeClr val="lt1"/>
-          </a:fontRef>
-        </p:style>
-        <p:txBody>
-          <a:bodyPr rtlCol="0" anchor="ctr"/>
-          <a:lstStyle/>
-          <a:p>
-            <a:pPr algn="ctr"/>
-            <a:r>
-              <a:rPr lang="en-US" altLang="zh-CN" sz="400" dirty="0"/>
-              <a:t>2.5M</a:t>
-            </a:r>
-          </a:p>
-          <a:p>
-            <a:pPr algn="ctr"/>
-            <a:r>
-              <a:rPr lang="en-US" altLang="zh-CN" sz="400" dirty="0"/>
-              <a:t>1/3Attack</a:t>
-            </a:r>
-          </a:p>
-        </p:txBody>
-      </p:sp>
-      <p:sp>
-        <p:nvSpPr>
-          <p:cNvPr id="34" name="椭圆 33">
-            <a:extLst>
-              <a:ext uri="{FF2B5EF4-FFF2-40B4-BE49-F238E27FC236}">
-                <a16:creationId xmlns:a16="http://schemas.microsoft.com/office/drawing/2014/main" id="{AF6A6713-FB47-39CE-3AAA-A2292C6C02ED}"/>
-              </a:ext>
-            </a:extLst>
-          </p:cNvPr>
-          <p:cNvSpPr/>
-          <p:nvPr/>
-        </p:nvSpPr>
-        <p:spPr>
-          <a:xfrm>
-            <a:off x="4330047" y="4467048"/>
-            <a:ext cx="342475" cy="326907"/>
-          </a:xfrm>
-          <a:prstGeom prst="ellipse">
-            <a:avLst/>
-          </a:prstGeom>
-          <a:ln>
-            <a:solidFill>
-              <a:schemeClr val="tx1"/>
-            </a:solidFill>
-          </a:ln>
-        </p:spPr>
-        <p:style>
-          <a:lnRef idx="2">
-            <a:schemeClr val="accent1">
-              <a:shade val="50000"/>
-            </a:schemeClr>
-          </a:lnRef>
-          <a:fillRef idx="1">
-            <a:schemeClr val="accent1"/>
-          </a:fillRef>
-          <a:effectRef idx="0">
-            <a:schemeClr val="accent1"/>
-          </a:effectRef>
-          <a:fontRef idx="minor">
-            <a:schemeClr val="lt1"/>
-          </a:fontRef>
-        </p:style>
-        <p:txBody>
-          <a:bodyPr rtlCol="0" anchor="ctr"/>
-          <a:lstStyle/>
-          <a:p>
-            <a:pPr algn="ctr"/>
-            <a:endParaRPr lang="zh-CN" altLang="en-US" sz="500" dirty="0"/>
-          </a:p>
-        </p:txBody>
-      </p:sp>
-      <p:cxnSp>
-        <p:nvCxnSpPr>
-          <p:cNvPr id="35" name="连接符: 肘形 34">
-            <a:extLst>
-              <a:ext uri="{FF2B5EF4-FFF2-40B4-BE49-F238E27FC236}">
-                <a16:creationId xmlns:a16="http://schemas.microsoft.com/office/drawing/2014/main" id="{1015AA5A-612A-6947-46F4-DB8BCADF8CBD}"/>
-              </a:ext>
-            </a:extLst>
-          </p:cNvPr>
-          <p:cNvCxnSpPr>
-            <a:cxnSpLocks/>
-            <a:stCxn id="34" idx="4"/>
-            <a:endCxn id="33" idx="0"/>
-          </p:cNvCxnSpPr>
-          <p:nvPr/>
-        </p:nvCxnSpPr>
-        <p:spPr>
-          <a:xfrm rot="5400000">
-            <a:off x="4073576" y="4947806"/>
-            <a:ext cx="581561" cy="273859"/>
-          </a:xfrm>
-          <a:prstGeom prst="bentConnector3">
-            <a:avLst>
-              <a:gd name="adj1" fmla="val 50000"/>
-            </a:avLst>
-          </a:prstGeom>
-          <a:ln>
-            <a:solidFill>
-              <a:schemeClr val="tx1"/>
-            </a:solidFill>
-          </a:ln>
-        </p:spPr>
-        <p:style>
-          <a:lnRef idx="1">
-            <a:schemeClr val="accent1"/>
-          </a:lnRef>
-          <a:fillRef idx="0">
-            <a:schemeClr val="accent1"/>
-          </a:fillRef>
-          <a:effectRef idx="0">
-            <a:schemeClr val="accent1"/>
-          </a:effectRef>
-          <a:fontRef idx="minor">
-            <a:schemeClr val="tx1"/>
-          </a:fontRef>
-        </p:style>
-      </p:cxnSp>
-      <p:sp>
-        <p:nvSpPr>
-          <p:cNvPr id="39" name="矩形 38">
-            <a:extLst>
-              <a:ext uri="{FF2B5EF4-FFF2-40B4-BE49-F238E27FC236}">
-                <a16:creationId xmlns:a16="http://schemas.microsoft.com/office/drawing/2014/main" id="{F87D0B7C-D042-A91D-B87E-8CE608581D43}"/>
-              </a:ext>
-            </a:extLst>
-          </p:cNvPr>
-          <p:cNvSpPr/>
-          <p:nvPr/>
-        </p:nvSpPr>
-        <p:spPr>
-          <a:xfrm>
-            <a:off x="4544739" y="5377522"/>
-            <a:ext cx="395901" cy="354150"/>
-          </a:xfrm>
-          <a:prstGeom prst="rect">
-            <a:avLst/>
-          </a:prstGeom>
-          <a:solidFill>
-            <a:schemeClr val="bg1">
-              <a:lumMod val="75000"/>
-            </a:schemeClr>
-          </a:solidFill>
-          <a:ln>
-            <a:solidFill>
-              <a:schemeClr val="tx1"/>
-            </a:solidFill>
-          </a:ln>
-        </p:spPr>
-        <p:style>
-          <a:lnRef idx="2">
-            <a:schemeClr val="accent1">
-              <a:shade val="50000"/>
-            </a:schemeClr>
-          </a:lnRef>
-          <a:fillRef idx="1">
-            <a:schemeClr val="accent1"/>
-          </a:fillRef>
-          <a:effectRef idx="0">
-            <a:schemeClr val="accent1"/>
-          </a:effectRef>
-          <a:fontRef idx="minor">
-            <a:schemeClr val="lt1"/>
-          </a:fontRef>
-        </p:style>
-        <p:txBody>
-          <a:bodyPr rtlCol="0" anchor="ctr"/>
-          <a:lstStyle/>
-          <a:p>
-            <a:pPr algn="ctr"/>
-            <a:r>
-              <a:rPr lang="en-US" altLang="zh-CN" sz="400" dirty="0"/>
-              <a:t>2.5M</a:t>
-            </a:r>
-          </a:p>
-          <a:p>
-            <a:pPr algn="ctr"/>
-            <a:r>
-              <a:rPr lang="en-US" altLang="zh-CN" sz="400" dirty="0"/>
-              <a:t>3Attack</a:t>
+              <a:t>2Attack</a:t>
             </a:r>
           </a:p>
         </p:txBody>
@@ -4258,7 +5028,7 @@
               <a:gd name="adj1" fmla="val 50000"/>
             </a:avLst>
           </a:prstGeom>
-          <a:ln>
+          <a:ln w="12700">
             <a:solidFill>
               <a:schemeClr val="tx1"/>
             </a:solidFill>
@@ -4648,7 +5418,7 @@
               <a:gd name="adj1" fmla="val 50000"/>
             </a:avLst>
           </a:prstGeom>
-          <a:ln>
+          <a:ln w="12700">
             <a:solidFill>
               <a:schemeClr val="tx1"/>
             </a:solidFill>
@@ -4695,7 +5465,7 @@
               <a:gd name="adj1" fmla="val 50000"/>
             </a:avLst>
           </a:prstGeom>
-          <a:ln>
+          <a:ln w="12700">
             <a:solidFill>
               <a:schemeClr val="tx1"/>
             </a:solidFill>
@@ -4858,7 +5628,7 @@
               <a:gd name="adj1" fmla="val 50000"/>
             </a:avLst>
           </a:prstGeom>
-          <a:ln>
+          <a:ln w="12700">
             <a:solidFill>
               <a:schemeClr val="tx1"/>
             </a:solidFill>
@@ -4959,7 +5729,7 @@
               <a:gd name="adj1" fmla="val 50000"/>
             </a:avLst>
           </a:prstGeom>
-          <a:ln>
+          <a:ln w="12700">
             <a:solidFill>
               <a:schemeClr val="tx1"/>
             </a:solidFill>
@@ -5184,7 +5954,7 @@
               <a:gd name="adj1" fmla="val 50000"/>
             </a:avLst>
           </a:prstGeom>
-          <a:ln>
+          <a:ln w="12700">
             <a:solidFill>
               <a:schemeClr val="tx1"/>
             </a:solidFill>
@@ -5231,7 +6001,7 @@
               <a:gd name="adj1" fmla="val 50000"/>
             </a:avLst>
           </a:prstGeom>
-          <a:ln>
+          <a:ln w="12700">
             <a:solidFill>
               <a:schemeClr val="tx1"/>
             </a:solidFill>
@@ -5455,7 +6225,7 @@
               <a:gd name="adj1" fmla="val 50000"/>
             </a:avLst>
           </a:prstGeom>
-          <a:ln>
+          <a:ln w="12700">
             <a:solidFill>
               <a:schemeClr val="tx1"/>
             </a:solidFill>
@@ -5502,7 +6272,7 @@
               <a:gd name="adj1" fmla="val 50000"/>
             </a:avLst>
           </a:prstGeom>
-          <a:ln>
+          <a:ln w="12700">
             <a:solidFill>
               <a:schemeClr val="tx1"/>
             </a:solidFill>
@@ -5848,7 +6618,7 @@
               <a:gd name="adj1" fmla="val 50000"/>
             </a:avLst>
           </a:prstGeom>
-          <a:ln>
+          <a:ln w="12700">
             <a:solidFill>
               <a:schemeClr val="tx1"/>
             </a:solidFill>
@@ -5895,7 +6665,7 @@
               <a:gd name="adj1" fmla="val 50000"/>
             </a:avLst>
           </a:prstGeom>
-          <a:ln>
+          <a:ln w="12700">
             <a:solidFill>
               <a:schemeClr val="tx1"/>
             </a:solidFill>
@@ -5993,7 +6763,7 @@
               <a:gd name="adj1" fmla="val 50000"/>
             </a:avLst>
           </a:prstGeom>
-          <a:ln>
+          <a:ln w="12700">
             <a:solidFill>
               <a:schemeClr val="tx1"/>
             </a:solidFill>
@@ -6040,7 +6810,7 @@
               <a:gd name="adj1" fmla="val 50000"/>
             </a:avLst>
           </a:prstGeom>
-          <a:ln>
+          <a:ln w="12700">
             <a:solidFill>
               <a:schemeClr val="tx1"/>
             </a:solidFill>
@@ -6189,7 +6959,7 @@
               <a:gd name="adj1" fmla="val 50000"/>
             </a:avLst>
           </a:prstGeom>
-          <a:ln>
+          <a:ln w="12700">
             <a:solidFill>
               <a:schemeClr val="tx1"/>
             </a:solidFill>
@@ -6951,7 +7721,7 @@
               <a:gd name="adj1" fmla="val 50000"/>
             </a:avLst>
           </a:prstGeom>
-          <a:ln>
+          <a:ln w="12700">
             <a:solidFill>
               <a:schemeClr val="tx1"/>
             </a:solidFill>
@@ -6998,7 +7768,7 @@
               <a:gd name="adj1" fmla="val 50000"/>
             </a:avLst>
           </a:prstGeom>
-          <a:ln>
+          <a:ln w="12700">
             <a:solidFill>
               <a:schemeClr val="tx1"/>
             </a:solidFill>
@@ -7272,7 +8042,7 @@
               <a:gd name="adj1" fmla="val 50000"/>
             </a:avLst>
           </a:prstGeom>
-          <a:ln>
+          <a:ln w="12700">
             <a:solidFill>
               <a:schemeClr val="tx1"/>
             </a:solidFill>
@@ -7374,7 +8144,7 @@
               <a:gd name="adj1" fmla="val 50000"/>
             </a:avLst>
           </a:prstGeom>
-          <a:ln>
+          <a:ln w="12700">
             <a:solidFill>
               <a:schemeClr val="tx1"/>
             </a:solidFill>
@@ -7519,7 +8289,7 @@
         </p:nvSpPr>
         <p:spPr>
           <a:xfrm>
-            <a:off x="9508805" y="5293204"/>
+            <a:off x="9513568" y="5293204"/>
             <a:ext cx="160908" cy="152682"/>
           </a:xfrm>
           <a:prstGeom prst="ellipse">
@@ -7586,7 +8356,7 @@
               <a:gd name="adj1" fmla="val 50000"/>
             </a:avLst>
           </a:prstGeom>
-          <a:ln>
+          <a:ln w="12700">
             <a:solidFill>
               <a:schemeClr val="tx1"/>
             </a:solidFill>
@@ -7682,7 +8452,7 @@
               <a:gd name="adj1" fmla="val 50000"/>
             </a:avLst>
           </a:prstGeom>
-          <a:ln>
+          <a:ln w="12700">
             <a:solidFill>
               <a:schemeClr val="tx1"/>
             </a:solidFill>
@@ -7729,7 +8499,7 @@
               <a:gd name="adj1" fmla="val 50000"/>
             </a:avLst>
           </a:prstGeom>
-          <a:ln>
+          <a:ln w="12700">
             <a:solidFill>
               <a:schemeClr val="tx1"/>
             </a:solidFill>
@@ -7776,7 +8546,7 @@
               <a:gd name="adj1" fmla="val 50000"/>
             </a:avLst>
           </a:prstGeom>
-          <a:ln>
+          <a:ln w="12700">
             <a:solidFill>
               <a:schemeClr val="tx1"/>
             </a:solidFill>
@@ -7823,7 +8593,7 @@
               <a:gd name="adj1" fmla="val 50000"/>
             </a:avLst>
           </a:prstGeom>
-          <a:ln>
+          <a:ln w="12700">
             <a:solidFill>
               <a:schemeClr val="tx1"/>
             </a:solidFill>
@@ -8042,7 +8812,7 @@
               <a:gd name="adj1" fmla="val 50000"/>
             </a:avLst>
           </a:prstGeom>
-          <a:ln>
+          <a:ln w="12700">
             <a:solidFill>
               <a:schemeClr val="tx1"/>
             </a:solidFill>
@@ -8144,7 +8914,7 @@
               <a:gd name="adj1" fmla="val 50000"/>
             </a:avLst>
           </a:prstGeom>
-          <a:ln>
+          <a:ln w="12700">
             <a:solidFill>
               <a:schemeClr val="tx1"/>
             </a:solidFill>
@@ -8275,10 +9045,589 @@
           </a:p>
         </p:txBody>
       </p:sp>
+      <p:sp>
+        <p:nvSpPr>
+          <p:cNvPr id="2" name="等腰三角形 1">
+            <a:extLst>
+              <a:ext uri="{FF2B5EF4-FFF2-40B4-BE49-F238E27FC236}">
+                <a16:creationId xmlns:a16="http://schemas.microsoft.com/office/drawing/2014/main" id="{F695D356-A14D-34D8-B64E-44CD481C63D1}"/>
+              </a:ext>
+            </a:extLst>
+          </p:cNvPr>
+          <p:cNvSpPr/>
+          <p:nvPr/>
+        </p:nvSpPr>
+        <p:spPr>
+          <a:xfrm>
+            <a:off x="730104" y="5656586"/>
+            <a:ext cx="154116" cy="163153"/>
+          </a:xfrm>
+          <a:prstGeom prst="triangle">
+            <a:avLst/>
+          </a:prstGeom>
+          <a:ln>
+            <a:solidFill>
+              <a:schemeClr val="tx1"/>
+            </a:solidFill>
+          </a:ln>
+        </p:spPr>
+        <p:style>
+          <a:lnRef idx="2">
+            <a:schemeClr val="accent1">
+              <a:shade val="50000"/>
+            </a:schemeClr>
+          </a:lnRef>
+          <a:fillRef idx="1">
+            <a:schemeClr val="accent1"/>
+          </a:fillRef>
+          <a:effectRef idx="0">
+            <a:schemeClr val="accent1"/>
+          </a:effectRef>
+          <a:fontRef idx="minor">
+            <a:schemeClr val="lt1"/>
+          </a:fontRef>
+        </p:style>
+        <p:txBody>
+          <a:bodyPr rtlCol="0" anchor="ctr"/>
+          <a:lstStyle/>
+          <a:p>
+            <a:pPr algn="ctr"/>
+            <a:endParaRPr lang="zh-CN" altLang="en-US"/>
+          </a:p>
+        </p:txBody>
+      </p:sp>
+      <p:sp>
+        <p:nvSpPr>
+          <p:cNvPr id="3" name="等腰三角形 2">
+            <a:extLst>
+              <a:ext uri="{FF2B5EF4-FFF2-40B4-BE49-F238E27FC236}">
+                <a16:creationId xmlns:a16="http://schemas.microsoft.com/office/drawing/2014/main" id="{931CEF4D-FE53-BC69-422F-5A020B6B0120}"/>
+              </a:ext>
+            </a:extLst>
+          </p:cNvPr>
+          <p:cNvSpPr/>
+          <p:nvPr/>
+        </p:nvSpPr>
+        <p:spPr>
+          <a:xfrm>
+            <a:off x="1240277" y="5656586"/>
+            <a:ext cx="154116" cy="163153"/>
+          </a:xfrm>
+          <a:prstGeom prst="triangle">
+            <a:avLst/>
+          </a:prstGeom>
+          <a:ln>
+            <a:solidFill>
+              <a:schemeClr val="tx1"/>
+            </a:solidFill>
+          </a:ln>
+        </p:spPr>
+        <p:style>
+          <a:lnRef idx="2">
+            <a:schemeClr val="accent1">
+              <a:shade val="50000"/>
+            </a:schemeClr>
+          </a:lnRef>
+          <a:fillRef idx="1">
+            <a:schemeClr val="accent1"/>
+          </a:fillRef>
+          <a:effectRef idx="0">
+            <a:schemeClr val="accent1"/>
+          </a:effectRef>
+          <a:fontRef idx="minor">
+            <a:schemeClr val="lt1"/>
+          </a:fontRef>
+        </p:style>
+        <p:txBody>
+          <a:bodyPr rtlCol="0" anchor="ctr"/>
+          <a:lstStyle/>
+          <a:p>
+            <a:pPr algn="ctr"/>
+            <a:endParaRPr lang="zh-CN" altLang="en-US"/>
+          </a:p>
+        </p:txBody>
+      </p:sp>
+      <p:sp>
+        <p:nvSpPr>
+          <p:cNvPr id="10" name="等腰三角形 9">
+            <a:extLst>
+              <a:ext uri="{FF2B5EF4-FFF2-40B4-BE49-F238E27FC236}">
+                <a16:creationId xmlns:a16="http://schemas.microsoft.com/office/drawing/2014/main" id="{60B50CAE-9289-7311-E89D-9320E4B67F95}"/>
+              </a:ext>
+            </a:extLst>
+          </p:cNvPr>
+          <p:cNvSpPr/>
+          <p:nvPr/>
+        </p:nvSpPr>
+        <p:spPr>
+          <a:xfrm>
+            <a:off x="4139406" y="5665497"/>
+            <a:ext cx="154116" cy="163153"/>
+          </a:xfrm>
+          <a:prstGeom prst="triangle">
+            <a:avLst/>
+          </a:prstGeom>
+          <a:ln>
+            <a:solidFill>
+              <a:schemeClr val="tx1"/>
+            </a:solidFill>
+          </a:ln>
+        </p:spPr>
+        <p:style>
+          <a:lnRef idx="2">
+            <a:schemeClr val="accent1">
+              <a:shade val="50000"/>
+            </a:schemeClr>
+          </a:lnRef>
+          <a:fillRef idx="1">
+            <a:schemeClr val="accent1"/>
+          </a:fillRef>
+          <a:effectRef idx="0">
+            <a:schemeClr val="accent1"/>
+          </a:effectRef>
+          <a:fontRef idx="minor">
+            <a:schemeClr val="lt1"/>
+          </a:fontRef>
+        </p:style>
+        <p:txBody>
+          <a:bodyPr rtlCol="0" anchor="ctr"/>
+          <a:lstStyle/>
+          <a:p>
+            <a:pPr algn="ctr"/>
+            <a:endParaRPr lang="zh-CN" altLang="en-US"/>
+          </a:p>
+        </p:txBody>
+      </p:sp>
+      <p:sp>
+        <p:nvSpPr>
+          <p:cNvPr id="12" name="等腰三角形 11">
+            <a:extLst>
+              <a:ext uri="{FF2B5EF4-FFF2-40B4-BE49-F238E27FC236}">
+                <a16:creationId xmlns:a16="http://schemas.microsoft.com/office/drawing/2014/main" id="{A5C6CEDC-2C4B-9470-EE30-A6F9B9768BA5}"/>
+              </a:ext>
+            </a:extLst>
+          </p:cNvPr>
+          <p:cNvSpPr/>
+          <p:nvPr/>
+        </p:nvSpPr>
+        <p:spPr>
+          <a:xfrm>
+            <a:off x="4676616" y="5656081"/>
+            <a:ext cx="154116" cy="163153"/>
+          </a:xfrm>
+          <a:prstGeom prst="triangle">
+            <a:avLst/>
+          </a:prstGeom>
+          <a:ln>
+            <a:solidFill>
+              <a:schemeClr val="tx1"/>
+            </a:solidFill>
+          </a:ln>
+        </p:spPr>
+        <p:style>
+          <a:lnRef idx="2">
+            <a:schemeClr val="accent1">
+              <a:shade val="50000"/>
+            </a:schemeClr>
+          </a:lnRef>
+          <a:fillRef idx="1">
+            <a:schemeClr val="accent1"/>
+          </a:fillRef>
+          <a:effectRef idx="0">
+            <a:schemeClr val="accent1"/>
+          </a:effectRef>
+          <a:fontRef idx="minor">
+            <a:schemeClr val="lt1"/>
+          </a:fontRef>
+        </p:style>
+        <p:txBody>
+          <a:bodyPr rtlCol="0" anchor="ctr"/>
+          <a:lstStyle/>
+          <a:p>
+            <a:pPr algn="ctr"/>
+            <a:endParaRPr lang="zh-CN" altLang="en-US"/>
+          </a:p>
+        </p:txBody>
+      </p:sp>
+      <p:sp>
+        <p:nvSpPr>
+          <p:cNvPr id="13" name="等腰三角形 12">
+            <a:extLst>
+              <a:ext uri="{FF2B5EF4-FFF2-40B4-BE49-F238E27FC236}">
+                <a16:creationId xmlns:a16="http://schemas.microsoft.com/office/drawing/2014/main" id="{96F15710-2577-7BA6-72D8-FCC7DFF2CAA0}"/>
+              </a:ext>
+            </a:extLst>
+          </p:cNvPr>
+          <p:cNvSpPr/>
+          <p:nvPr/>
+        </p:nvSpPr>
+        <p:spPr>
+          <a:xfrm>
+            <a:off x="7724060" y="6261925"/>
+            <a:ext cx="154116" cy="163153"/>
+          </a:xfrm>
+          <a:prstGeom prst="triangle">
+            <a:avLst/>
+          </a:prstGeom>
+          <a:ln>
+            <a:solidFill>
+              <a:schemeClr val="tx1"/>
+            </a:solidFill>
+          </a:ln>
+        </p:spPr>
+        <p:style>
+          <a:lnRef idx="2">
+            <a:schemeClr val="accent1">
+              <a:shade val="50000"/>
+            </a:schemeClr>
+          </a:lnRef>
+          <a:fillRef idx="1">
+            <a:schemeClr val="accent1"/>
+          </a:fillRef>
+          <a:effectRef idx="0">
+            <a:schemeClr val="accent1"/>
+          </a:effectRef>
+          <a:fontRef idx="minor">
+            <a:schemeClr val="lt1"/>
+          </a:fontRef>
+        </p:style>
+        <p:txBody>
+          <a:bodyPr rtlCol="0" anchor="ctr"/>
+          <a:lstStyle/>
+          <a:p>
+            <a:pPr algn="ctr"/>
+            <a:endParaRPr lang="zh-CN" altLang="en-US"/>
+          </a:p>
+        </p:txBody>
+      </p:sp>
+      <p:sp>
+        <p:nvSpPr>
+          <p:cNvPr id="14" name="等腰三角形 13">
+            <a:extLst>
+              <a:ext uri="{FF2B5EF4-FFF2-40B4-BE49-F238E27FC236}">
+                <a16:creationId xmlns:a16="http://schemas.microsoft.com/office/drawing/2014/main" id="{038790BF-98C1-7FBA-ECA1-7E64BCAF390A}"/>
+              </a:ext>
+            </a:extLst>
+          </p:cNvPr>
+          <p:cNvSpPr/>
+          <p:nvPr/>
+        </p:nvSpPr>
+        <p:spPr>
+          <a:xfrm>
+            <a:off x="7058572" y="6267193"/>
+            <a:ext cx="154116" cy="163153"/>
+          </a:xfrm>
+          <a:prstGeom prst="triangle">
+            <a:avLst/>
+          </a:prstGeom>
+          <a:ln>
+            <a:solidFill>
+              <a:schemeClr val="tx1"/>
+            </a:solidFill>
+          </a:ln>
+        </p:spPr>
+        <p:style>
+          <a:lnRef idx="2">
+            <a:schemeClr val="accent1">
+              <a:shade val="50000"/>
+            </a:schemeClr>
+          </a:lnRef>
+          <a:fillRef idx="1">
+            <a:schemeClr val="accent1"/>
+          </a:fillRef>
+          <a:effectRef idx="0">
+            <a:schemeClr val="accent1"/>
+          </a:effectRef>
+          <a:fontRef idx="minor">
+            <a:schemeClr val="lt1"/>
+          </a:fontRef>
+        </p:style>
+        <p:txBody>
+          <a:bodyPr rtlCol="0" anchor="ctr"/>
+          <a:lstStyle/>
+          <a:p>
+            <a:pPr algn="ctr"/>
+            <a:endParaRPr lang="zh-CN" altLang="en-US"/>
+          </a:p>
+        </p:txBody>
+      </p:sp>
+      <p:sp>
+        <p:nvSpPr>
+          <p:cNvPr id="16" name="等腰三角形 15">
+            <a:extLst>
+              <a:ext uri="{FF2B5EF4-FFF2-40B4-BE49-F238E27FC236}">
+                <a16:creationId xmlns:a16="http://schemas.microsoft.com/office/drawing/2014/main" id="{E0D90D39-3E6A-3ABC-D14A-FDC380C16C8E}"/>
+              </a:ext>
+            </a:extLst>
+          </p:cNvPr>
+          <p:cNvSpPr/>
+          <p:nvPr/>
+        </p:nvSpPr>
+        <p:spPr>
+          <a:xfrm>
+            <a:off x="8278830" y="6261925"/>
+            <a:ext cx="154116" cy="163153"/>
+          </a:xfrm>
+          <a:prstGeom prst="triangle">
+            <a:avLst/>
+          </a:prstGeom>
+          <a:ln>
+            <a:solidFill>
+              <a:schemeClr val="tx1"/>
+            </a:solidFill>
+          </a:ln>
+        </p:spPr>
+        <p:style>
+          <a:lnRef idx="2">
+            <a:schemeClr val="accent1">
+              <a:shade val="50000"/>
+            </a:schemeClr>
+          </a:lnRef>
+          <a:fillRef idx="1">
+            <a:schemeClr val="accent1"/>
+          </a:fillRef>
+          <a:effectRef idx="0">
+            <a:schemeClr val="accent1"/>
+          </a:effectRef>
+          <a:fontRef idx="minor">
+            <a:schemeClr val="lt1"/>
+          </a:fontRef>
+        </p:style>
+        <p:txBody>
+          <a:bodyPr rtlCol="0" anchor="ctr"/>
+          <a:lstStyle/>
+          <a:p>
+            <a:pPr algn="ctr"/>
+            <a:endParaRPr lang="zh-CN" altLang="en-US"/>
+          </a:p>
+        </p:txBody>
+      </p:sp>
+      <p:sp>
+        <p:nvSpPr>
+          <p:cNvPr id="17" name="等腰三角形 16">
+            <a:extLst>
+              <a:ext uri="{FF2B5EF4-FFF2-40B4-BE49-F238E27FC236}">
+                <a16:creationId xmlns:a16="http://schemas.microsoft.com/office/drawing/2014/main" id="{4AC0AABC-C941-5A50-B018-820C3E5519BA}"/>
+              </a:ext>
+            </a:extLst>
+          </p:cNvPr>
+          <p:cNvSpPr/>
+          <p:nvPr/>
+        </p:nvSpPr>
+        <p:spPr>
+          <a:xfrm>
+            <a:off x="8790457" y="6270559"/>
+            <a:ext cx="154116" cy="163153"/>
+          </a:xfrm>
+          <a:prstGeom prst="triangle">
+            <a:avLst/>
+          </a:prstGeom>
+          <a:ln>
+            <a:solidFill>
+              <a:schemeClr val="tx1"/>
+            </a:solidFill>
+          </a:ln>
+        </p:spPr>
+        <p:style>
+          <a:lnRef idx="2">
+            <a:schemeClr val="accent1">
+              <a:shade val="50000"/>
+            </a:schemeClr>
+          </a:lnRef>
+          <a:fillRef idx="1">
+            <a:schemeClr val="accent1"/>
+          </a:fillRef>
+          <a:effectRef idx="0">
+            <a:schemeClr val="accent1"/>
+          </a:effectRef>
+          <a:fontRef idx="minor">
+            <a:schemeClr val="lt1"/>
+          </a:fontRef>
+        </p:style>
+        <p:txBody>
+          <a:bodyPr rtlCol="0" anchor="ctr"/>
+          <a:lstStyle/>
+          <a:p>
+            <a:pPr algn="ctr"/>
+            <a:endParaRPr lang="zh-CN" altLang="en-US"/>
+          </a:p>
+        </p:txBody>
+      </p:sp>
+      <p:sp>
+        <p:nvSpPr>
+          <p:cNvPr id="19" name="等腰三角形 18">
+            <a:extLst>
+              <a:ext uri="{FF2B5EF4-FFF2-40B4-BE49-F238E27FC236}">
+                <a16:creationId xmlns:a16="http://schemas.microsoft.com/office/drawing/2014/main" id="{00464E73-12B3-B549-E15F-FBAE3639835B}"/>
+              </a:ext>
+            </a:extLst>
+          </p:cNvPr>
+          <p:cNvSpPr/>
+          <p:nvPr/>
+        </p:nvSpPr>
+        <p:spPr>
+          <a:xfrm>
+            <a:off x="2420926" y="5674408"/>
+            <a:ext cx="154116" cy="163153"/>
+          </a:xfrm>
+          <a:prstGeom prst="triangle">
+            <a:avLst/>
+          </a:prstGeom>
+          <a:ln>
+            <a:solidFill>
+              <a:schemeClr val="tx1"/>
+            </a:solidFill>
+          </a:ln>
+        </p:spPr>
+        <p:style>
+          <a:lnRef idx="2">
+            <a:schemeClr val="accent1">
+              <a:shade val="50000"/>
+            </a:schemeClr>
+          </a:lnRef>
+          <a:fillRef idx="1">
+            <a:schemeClr val="accent1"/>
+          </a:fillRef>
+          <a:effectRef idx="0">
+            <a:schemeClr val="accent1"/>
+          </a:effectRef>
+          <a:fontRef idx="minor">
+            <a:schemeClr val="lt1"/>
+          </a:fontRef>
+        </p:style>
+        <p:txBody>
+          <a:bodyPr rtlCol="0" anchor="ctr"/>
+          <a:lstStyle/>
+          <a:p>
+            <a:pPr algn="ctr"/>
+            <a:endParaRPr lang="zh-CN" altLang="en-US"/>
+          </a:p>
+        </p:txBody>
+      </p:sp>
     </p:spTree>
     <p:extLst>
       <p:ext uri="{BB962C8B-B14F-4D97-AF65-F5344CB8AC3E}">
         <p14:creationId xmlns:p14="http://schemas.microsoft.com/office/powerpoint/2010/main" val="148713800"/>
+      </p:ext>
+    </p:extLst>
+  </p:cSld>
+  <p:clrMapOvr>
+    <a:masterClrMapping/>
+  </p:clrMapOvr>
+</p:sld>
+</file>
+
+<file path=ppt/slides/slide3.xml><?xml version="1.0" encoding="utf-8"?>
+<p:sld xmlns:a="http://schemas.openxmlformats.org/drawingml/2006/main" xmlns:r="http://schemas.openxmlformats.org/officeDocument/2006/relationships" xmlns:p="http://schemas.openxmlformats.org/presentationml/2006/main">
+  <p:cSld>
+    <p:spTree>
+      <p:nvGrpSpPr>
+        <p:cNvPr id="1" name=""/>
+        <p:cNvGrpSpPr/>
+        <p:nvPr/>
+      </p:nvGrpSpPr>
+      <p:grpSpPr>
+        <a:xfrm>
+          <a:off x="0" y="0"/>
+          <a:ext cx="0" cy="0"/>
+          <a:chOff x="0" y="0"/>
+          <a:chExt cx="0" cy="0"/>
+        </a:xfrm>
+      </p:grpSpPr>
+      <p:sp>
+        <p:nvSpPr>
+          <p:cNvPr id="2" name="标题 1">
+            <a:extLst>
+              <a:ext uri="{FF2B5EF4-FFF2-40B4-BE49-F238E27FC236}">
+                <a16:creationId xmlns:a16="http://schemas.microsoft.com/office/drawing/2014/main" id="{E807DC0B-3F40-928B-B219-7ADE6BC69EEA}"/>
+              </a:ext>
+            </a:extLst>
+          </p:cNvPr>
+          <p:cNvSpPr>
+            <a:spLocks noGrp="1"/>
+          </p:cNvSpPr>
+          <p:nvPr>
+            <p:ph type="title"/>
+          </p:nvPr>
+        </p:nvSpPr>
+        <p:spPr/>
+        <p:txBody>
+          <a:bodyPr/>
+          <a:lstStyle/>
+          <a:p>
+            <a:endParaRPr lang="zh-CN" altLang="en-US"/>
+          </a:p>
+        </p:txBody>
+      </p:sp>
+      <p:sp>
+        <p:nvSpPr>
+          <p:cNvPr id="3" name="内容占位符 2">
+            <a:extLst>
+              <a:ext uri="{FF2B5EF4-FFF2-40B4-BE49-F238E27FC236}">
+                <a16:creationId xmlns:a16="http://schemas.microsoft.com/office/drawing/2014/main" id="{955B312C-4A02-7FF0-2CBF-D84A47BAD5C6}"/>
+              </a:ext>
+            </a:extLst>
+          </p:cNvPr>
+          <p:cNvSpPr>
+            <a:spLocks noGrp="1"/>
+          </p:cNvSpPr>
+          <p:nvPr>
+            <p:ph idx="1"/>
+          </p:nvPr>
+        </p:nvSpPr>
+        <p:spPr/>
+        <p:txBody>
+          <a:bodyPr/>
+          <a:lstStyle/>
+          <a:p>
+            <a:r>
+              <a:rPr lang="en-US" altLang="zh-CN" dirty="0"/>
+              <a:t>1.</a:t>
+            </a:r>
+            <a:r>
+              <a:rPr lang="zh-CN" altLang="en-US" dirty="0"/>
+              <a:t>拔剑音效</a:t>
+            </a:r>
+            <a:endParaRPr lang="en-US" altLang="zh-CN" dirty="0"/>
+          </a:p>
+          <a:p>
+            <a:r>
+              <a:rPr lang="en-US" altLang="zh-CN" dirty="0"/>
+              <a:t>2.</a:t>
+            </a:r>
+            <a:r>
+              <a:rPr lang="zh-CN" altLang="en-US" dirty="0"/>
+              <a:t>飞剑震动音效和飞剑略过音效</a:t>
+            </a:r>
+            <a:endParaRPr lang="en-US" altLang="zh-CN" dirty="0"/>
+          </a:p>
+          <a:p>
+            <a:r>
+              <a:rPr lang="en-US" altLang="zh-CN" dirty="0"/>
+              <a:t>3.</a:t>
+            </a:r>
+            <a:r>
+              <a:rPr lang="zh-CN" altLang="en-US" dirty="0"/>
+              <a:t>砍空音效</a:t>
+            </a:r>
+            <a:endParaRPr lang="en-US" altLang="zh-CN" dirty="0"/>
+          </a:p>
+          <a:p>
+            <a:r>
+              <a:rPr lang="en-US" altLang="zh-CN" dirty="0"/>
+              <a:t>4.</a:t>
+            </a:r>
+            <a:r>
+              <a:rPr lang="zh-CN" altLang="en-US" dirty="0"/>
+              <a:t>重击音效</a:t>
+            </a:r>
+          </a:p>
+        </p:txBody>
+      </p:sp>
+    </p:spTree>
+    <p:extLst>
+      <p:ext uri="{BB962C8B-B14F-4D97-AF65-F5344CB8AC3E}">
+        <p14:creationId xmlns:p14="http://schemas.microsoft.com/office/powerpoint/2010/main" val="4166269502"/>
       </p:ext>
     </p:extLst>
   </p:cSld>

--- a/Think.pptx
+++ b/Think.pptx
@@ -261,7 +261,7 @@
           <a:p>
             <a:fld id="{5B8F432B-70EE-4D03-8A68-364A8F92E9D9}" type="datetimeFigureOut">
               <a:rPr lang="zh-CN" altLang="en-US" smtClean="0"/>
-              <a:t>2023/10/26</a:t>
+              <a:t>2023/10/27</a:t>
             </a:fld>
             <a:endParaRPr lang="zh-CN" altLang="en-US"/>
           </a:p>
@@ -459,7 +459,7 @@
           <a:p>
             <a:fld id="{5B8F432B-70EE-4D03-8A68-364A8F92E9D9}" type="datetimeFigureOut">
               <a:rPr lang="zh-CN" altLang="en-US" smtClean="0"/>
-              <a:t>2023/10/26</a:t>
+              <a:t>2023/10/27</a:t>
             </a:fld>
             <a:endParaRPr lang="zh-CN" altLang="en-US"/>
           </a:p>
@@ -667,7 +667,7 @@
           <a:p>
             <a:fld id="{5B8F432B-70EE-4D03-8A68-364A8F92E9D9}" type="datetimeFigureOut">
               <a:rPr lang="zh-CN" altLang="en-US" smtClean="0"/>
-              <a:t>2023/10/26</a:t>
+              <a:t>2023/10/27</a:t>
             </a:fld>
             <a:endParaRPr lang="zh-CN" altLang="en-US"/>
           </a:p>
@@ -865,7 +865,7 @@
           <a:p>
             <a:fld id="{5B8F432B-70EE-4D03-8A68-364A8F92E9D9}" type="datetimeFigureOut">
               <a:rPr lang="zh-CN" altLang="en-US" smtClean="0"/>
-              <a:t>2023/10/26</a:t>
+              <a:t>2023/10/27</a:t>
             </a:fld>
             <a:endParaRPr lang="zh-CN" altLang="en-US"/>
           </a:p>
@@ -1140,7 +1140,7 @@
           <a:p>
             <a:fld id="{5B8F432B-70EE-4D03-8A68-364A8F92E9D9}" type="datetimeFigureOut">
               <a:rPr lang="zh-CN" altLang="en-US" smtClean="0"/>
-              <a:t>2023/10/26</a:t>
+              <a:t>2023/10/27</a:t>
             </a:fld>
             <a:endParaRPr lang="zh-CN" altLang="en-US"/>
           </a:p>
@@ -1405,7 +1405,7 @@
           <a:p>
             <a:fld id="{5B8F432B-70EE-4D03-8A68-364A8F92E9D9}" type="datetimeFigureOut">
               <a:rPr lang="zh-CN" altLang="en-US" smtClean="0"/>
-              <a:t>2023/10/26</a:t>
+              <a:t>2023/10/27</a:t>
             </a:fld>
             <a:endParaRPr lang="zh-CN" altLang="en-US"/>
           </a:p>
@@ -1817,7 +1817,7 @@
           <a:p>
             <a:fld id="{5B8F432B-70EE-4D03-8A68-364A8F92E9D9}" type="datetimeFigureOut">
               <a:rPr lang="zh-CN" altLang="en-US" smtClean="0"/>
-              <a:t>2023/10/26</a:t>
+              <a:t>2023/10/27</a:t>
             </a:fld>
             <a:endParaRPr lang="zh-CN" altLang="en-US"/>
           </a:p>
@@ -1958,7 +1958,7 @@
           <a:p>
             <a:fld id="{5B8F432B-70EE-4D03-8A68-364A8F92E9D9}" type="datetimeFigureOut">
               <a:rPr lang="zh-CN" altLang="en-US" smtClean="0"/>
-              <a:t>2023/10/26</a:t>
+              <a:t>2023/10/27</a:t>
             </a:fld>
             <a:endParaRPr lang="zh-CN" altLang="en-US"/>
           </a:p>
@@ -2071,7 +2071,7 @@
           <a:p>
             <a:fld id="{5B8F432B-70EE-4D03-8A68-364A8F92E9D9}" type="datetimeFigureOut">
               <a:rPr lang="zh-CN" altLang="en-US" smtClean="0"/>
-              <a:t>2023/10/26</a:t>
+              <a:t>2023/10/27</a:t>
             </a:fld>
             <a:endParaRPr lang="zh-CN" altLang="en-US"/>
           </a:p>
@@ -2382,7 +2382,7 @@
           <a:p>
             <a:fld id="{5B8F432B-70EE-4D03-8A68-364A8F92E9D9}" type="datetimeFigureOut">
               <a:rPr lang="zh-CN" altLang="en-US" smtClean="0"/>
-              <a:t>2023/10/26</a:t>
+              <a:t>2023/10/27</a:t>
             </a:fld>
             <a:endParaRPr lang="zh-CN" altLang="en-US"/>
           </a:p>
@@ -2670,7 +2670,7 @@
           <a:p>
             <a:fld id="{5B8F432B-70EE-4D03-8A68-364A8F92E9D9}" type="datetimeFigureOut">
               <a:rPr lang="zh-CN" altLang="en-US" smtClean="0"/>
-              <a:t>2023/10/26</a:t>
+              <a:t>2023/10/27</a:t>
             </a:fld>
             <a:endParaRPr lang="zh-CN" altLang="en-US"/>
           </a:p>
@@ -2911,7 +2911,7 @@
           <a:p>
             <a:fld id="{5B8F432B-70EE-4D03-8A68-364A8F92E9D9}" type="datetimeFigureOut">
               <a:rPr lang="zh-CN" altLang="en-US" smtClean="0"/>
-              <a:t>2023/10/26</a:t>
+              <a:t>2023/10/27</a:t>
             </a:fld>
             <a:endParaRPr lang="zh-CN" altLang="en-US"/>
           </a:p>
@@ -4108,7 +4108,7 @@
         <p:spPr>
           <a:xfrm>
             <a:off x="1146469" y="5377522"/>
-            <a:ext cx="361934" cy="354150"/>
+            <a:ext cx="399206" cy="354150"/>
           </a:xfrm>
           <a:prstGeom prst="rect">
             <a:avLst/>
@@ -4148,8 +4148,8 @@
           <a:p>
             <a:pPr algn="ctr"/>
             <a:r>
-              <a:rPr lang="en-US" altLang="zh-CN" sz="400" dirty="0"/>
-              <a:t>Spell</a:t>
+              <a:rPr lang="en-US" altLang="zh-CN" sz="400" dirty="0" err="1"/>
+              <a:t>FlySword</a:t>
             </a:r>
             <a:endParaRPr lang="zh-CN" altLang="en-US" sz="400" dirty="0"/>
           </a:p>
@@ -4637,8 +4637,8 @@
         </p:nvCxnSpPr>
         <p:spPr>
           <a:xfrm rot="16200000" flipH="1">
-            <a:off x="896703" y="4946788"/>
-            <a:ext cx="581109" cy="280358"/>
+            <a:off x="906021" y="4937470"/>
+            <a:ext cx="581109" cy="298994"/>
           </a:xfrm>
           <a:prstGeom prst="bentConnector3">
             <a:avLst>
@@ -4957,9 +4957,7 @@
             <a:avLst/>
           </a:prstGeom>
           <a:solidFill>
-            <a:schemeClr val="bg1">
-              <a:lumMod val="75000"/>
-            </a:schemeClr>
+            <a:schemeClr val="accent1"/>
           </a:solidFill>
           <a:ln>
             <a:solidFill>
@@ -5353,9 +5351,7 @@
             <a:avLst/>
           </a:prstGeom>
           <a:solidFill>
-            <a:schemeClr val="bg1">
-              <a:lumMod val="75000"/>
-            </a:schemeClr>
+            <a:schemeClr val="accent1"/>
           </a:solidFill>
           <a:ln>
             <a:solidFill>
@@ -5832,9 +5828,7 @@
             <a:avLst/>
           </a:prstGeom>
           <a:solidFill>
-            <a:schemeClr val="bg1">
-              <a:lumMod val="75000"/>
-            </a:schemeClr>
+            <a:schemeClr val="accent1"/>
           </a:solidFill>
           <a:ln>
             <a:solidFill>
@@ -6043,9 +6037,7 @@
             <a:avLst/>
           </a:prstGeom>
           <a:solidFill>
-            <a:schemeClr val="bg1">
-              <a:lumMod val="75000"/>
-            </a:schemeClr>
+            <a:schemeClr val="accent1"/>
           </a:solidFill>
           <a:ln>
             <a:solidFill>
@@ -6103,9 +6095,7 @@
             <a:avLst/>
           </a:prstGeom>
           <a:solidFill>
-            <a:schemeClr val="bg1">
-              <a:lumMod val="75000"/>
-            </a:schemeClr>
+            <a:schemeClr val="accent1"/>
           </a:solidFill>
           <a:ln>
             <a:solidFill>
@@ -6430,9 +6420,7 @@
             <a:avLst/>
           </a:prstGeom>
           <a:solidFill>
-            <a:schemeClr val="bg1">
-              <a:lumMod val="75000"/>
-            </a:schemeClr>
+            <a:schemeClr val="accent1"/>
           </a:solidFill>
           <a:ln>
             <a:solidFill>
@@ -6547,9 +6535,7 @@
             <a:avLst/>
           </a:prstGeom>
           <a:solidFill>
-            <a:schemeClr val="bg1">
-              <a:lumMod val="75000"/>
-            </a:schemeClr>
+            <a:schemeClr val="accent1"/>
           </a:solidFill>
           <a:ln>
             <a:solidFill>
@@ -7214,7 +7200,7 @@
         </p:nvSpPr>
         <p:spPr>
           <a:xfrm>
-            <a:off x="1241255" y="5296758"/>
+            <a:off x="1264983" y="5299296"/>
             <a:ext cx="160908" cy="152682"/>
           </a:xfrm>
           <a:prstGeom prst="ellipse">
@@ -7605,9 +7591,7 @@
             <a:avLst/>
           </a:prstGeom>
           <a:solidFill>
-            <a:schemeClr val="bg1">
-              <a:lumMod val="75000"/>
-            </a:schemeClr>
+            <a:schemeClr val="accent1"/>
           </a:solidFill>
           <a:ln>
             <a:solidFill>
@@ -7971,9 +7955,7 @@
             <a:avLst/>
           </a:prstGeom>
           <a:solidFill>
-            <a:schemeClr val="bg1">
-              <a:lumMod val="75000"/>
-            </a:schemeClr>
+            <a:schemeClr val="accent1"/>
           </a:solidFill>
           <a:ln>
             <a:solidFill>
@@ -8686,9 +8668,7 @@
             <a:avLst/>
           </a:prstGeom>
           <a:solidFill>
-            <a:schemeClr val="bg1">
-              <a:lumMod val="75000"/>
-            </a:schemeClr>
+            <a:schemeClr val="accent1"/>
           </a:solidFill>
           <a:ln>
             <a:solidFill>
@@ -8725,9 +8705,10 @@
           <a:p>
             <a:pPr algn="ctr"/>
             <a:r>
-              <a:rPr lang="en-US" altLang="zh-CN" sz="400" dirty="0"/>
-              <a:t>Stomp</a:t>
-            </a:r>
+              <a:rPr lang="en-US" altLang="zh-CN" sz="400" dirty="0" err="1"/>
+              <a:t>FallingSword</a:t>
+            </a:r>
+            <a:endParaRPr lang="en-US" altLang="zh-CN" sz="400" dirty="0"/>
           </a:p>
         </p:txBody>
       </p:sp>
@@ -9110,7 +9091,7 @@
         </p:nvSpPr>
         <p:spPr>
           <a:xfrm>
-            <a:off x="1240277" y="5656586"/>
+            <a:off x="1273578" y="5656081"/>
             <a:ext cx="154116" cy="163153"/>
           </a:xfrm>
           <a:prstGeom prst="triangle">

--- a/Think.pptx
+++ b/Think.pptx
@@ -7,7 +7,8 @@
   <p:sldIdLst>
     <p:sldId id="258" r:id="rId2"/>
     <p:sldId id="256" r:id="rId3"/>
-    <p:sldId id="257" r:id="rId4"/>
+    <p:sldId id="259" r:id="rId4"/>
+    <p:sldId id="257" r:id="rId5"/>
   </p:sldIdLst>
   <p:sldSz cx="12192000" cy="6858000"/>
   <p:notesSz cx="6858000" cy="9144000"/>
@@ -261,7 +262,7 @@
           <a:p>
             <a:fld id="{5B8F432B-70EE-4D03-8A68-364A8F92E9D9}" type="datetimeFigureOut">
               <a:rPr lang="zh-CN" altLang="en-US" smtClean="0"/>
-              <a:t>2023/10/27</a:t>
+              <a:t>2023/10/28</a:t>
             </a:fld>
             <a:endParaRPr lang="zh-CN" altLang="en-US"/>
           </a:p>
@@ -459,7 +460,7 @@
           <a:p>
             <a:fld id="{5B8F432B-70EE-4D03-8A68-364A8F92E9D9}" type="datetimeFigureOut">
               <a:rPr lang="zh-CN" altLang="en-US" smtClean="0"/>
-              <a:t>2023/10/27</a:t>
+              <a:t>2023/10/28</a:t>
             </a:fld>
             <a:endParaRPr lang="zh-CN" altLang="en-US"/>
           </a:p>
@@ -667,7 +668,7 @@
           <a:p>
             <a:fld id="{5B8F432B-70EE-4D03-8A68-364A8F92E9D9}" type="datetimeFigureOut">
               <a:rPr lang="zh-CN" altLang="en-US" smtClean="0"/>
-              <a:t>2023/10/27</a:t>
+              <a:t>2023/10/28</a:t>
             </a:fld>
             <a:endParaRPr lang="zh-CN" altLang="en-US"/>
           </a:p>
@@ -865,7 +866,7 @@
           <a:p>
             <a:fld id="{5B8F432B-70EE-4D03-8A68-364A8F92E9D9}" type="datetimeFigureOut">
               <a:rPr lang="zh-CN" altLang="en-US" smtClean="0"/>
-              <a:t>2023/10/27</a:t>
+              <a:t>2023/10/28</a:t>
             </a:fld>
             <a:endParaRPr lang="zh-CN" altLang="en-US"/>
           </a:p>
@@ -1140,7 +1141,7 @@
           <a:p>
             <a:fld id="{5B8F432B-70EE-4D03-8A68-364A8F92E9D9}" type="datetimeFigureOut">
               <a:rPr lang="zh-CN" altLang="en-US" smtClean="0"/>
-              <a:t>2023/10/27</a:t>
+              <a:t>2023/10/28</a:t>
             </a:fld>
             <a:endParaRPr lang="zh-CN" altLang="en-US"/>
           </a:p>
@@ -1405,7 +1406,7 @@
           <a:p>
             <a:fld id="{5B8F432B-70EE-4D03-8A68-364A8F92E9D9}" type="datetimeFigureOut">
               <a:rPr lang="zh-CN" altLang="en-US" smtClean="0"/>
-              <a:t>2023/10/27</a:t>
+              <a:t>2023/10/28</a:t>
             </a:fld>
             <a:endParaRPr lang="zh-CN" altLang="en-US"/>
           </a:p>
@@ -1817,7 +1818,7 @@
           <a:p>
             <a:fld id="{5B8F432B-70EE-4D03-8A68-364A8F92E9D9}" type="datetimeFigureOut">
               <a:rPr lang="zh-CN" altLang="en-US" smtClean="0"/>
-              <a:t>2023/10/27</a:t>
+              <a:t>2023/10/28</a:t>
             </a:fld>
             <a:endParaRPr lang="zh-CN" altLang="en-US"/>
           </a:p>
@@ -1958,7 +1959,7 @@
           <a:p>
             <a:fld id="{5B8F432B-70EE-4D03-8A68-364A8F92E9D9}" type="datetimeFigureOut">
               <a:rPr lang="zh-CN" altLang="en-US" smtClean="0"/>
-              <a:t>2023/10/27</a:t>
+              <a:t>2023/10/28</a:t>
             </a:fld>
             <a:endParaRPr lang="zh-CN" altLang="en-US"/>
           </a:p>
@@ -2071,7 +2072,7 @@
           <a:p>
             <a:fld id="{5B8F432B-70EE-4D03-8A68-364A8F92E9D9}" type="datetimeFigureOut">
               <a:rPr lang="zh-CN" altLang="en-US" smtClean="0"/>
-              <a:t>2023/10/27</a:t>
+              <a:t>2023/10/28</a:t>
             </a:fld>
             <a:endParaRPr lang="zh-CN" altLang="en-US"/>
           </a:p>
@@ -2382,7 +2383,7 @@
           <a:p>
             <a:fld id="{5B8F432B-70EE-4D03-8A68-364A8F92E9D9}" type="datetimeFigureOut">
               <a:rPr lang="zh-CN" altLang="en-US" smtClean="0"/>
-              <a:t>2023/10/27</a:t>
+              <a:t>2023/10/28</a:t>
             </a:fld>
             <a:endParaRPr lang="zh-CN" altLang="en-US"/>
           </a:p>
@@ -2670,7 +2671,7 @@
           <a:p>
             <a:fld id="{5B8F432B-70EE-4D03-8A68-364A8F92E9D9}" type="datetimeFigureOut">
               <a:rPr lang="zh-CN" altLang="en-US" smtClean="0"/>
-              <a:t>2023/10/27</a:t>
+              <a:t>2023/10/28</a:t>
             </a:fld>
             <a:endParaRPr lang="zh-CN" altLang="en-US"/>
           </a:p>
@@ -2911,7 +2912,7 @@
           <a:p>
             <a:fld id="{5B8F432B-70EE-4D03-8A68-364A8F92E9D9}" type="datetimeFigureOut">
               <a:rPr lang="zh-CN" altLang="en-US" smtClean="0"/>
-              <a:t>2023/10/27</a:t>
+              <a:t>2023/10/28</a:t>
             </a:fld>
             <a:endParaRPr lang="zh-CN" altLang="en-US"/>
           </a:p>
@@ -4107,7 +4108,7 @@
         </p:nvSpPr>
         <p:spPr>
           <a:xfrm>
-            <a:off x="1146469" y="5377522"/>
+            <a:off x="1616025" y="4531085"/>
             <a:ext cx="399206" cy="354150"/>
           </a:xfrm>
           <a:prstGeom prst="rect">
@@ -4169,7 +4170,7 @@
         </p:nvSpPr>
         <p:spPr>
           <a:xfrm>
-            <a:off x="2313669" y="5377522"/>
+            <a:off x="2783225" y="4531085"/>
             <a:ext cx="395901" cy="354150"/>
           </a:xfrm>
           <a:prstGeom prst="rect">
@@ -4230,7 +4231,7 @@
         </p:nvSpPr>
         <p:spPr>
           <a:xfrm>
-            <a:off x="1505652" y="4467049"/>
+            <a:off x="1975208" y="3620612"/>
             <a:ext cx="710897" cy="229613"/>
           </a:xfrm>
           <a:prstGeom prst="rect">
@@ -4285,7 +4286,7 @@
         </p:nvSpPr>
         <p:spPr>
           <a:xfrm>
-            <a:off x="2817517" y="5377522"/>
+            <a:off x="3287073" y="4531085"/>
             <a:ext cx="395901" cy="354150"/>
           </a:xfrm>
           <a:prstGeom prst="rect">
@@ -4346,7 +4347,7 @@
         </p:nvSpPr>
         <p:spPr>
           <a:xfrm>
-            <a:off x="3139982" y="4434906"/>
+            <a:off x="3609538" y="3588469"/>
             <a:ext cx="710897" cy="229613"/>
           </a:xfrm>
           <a:prstGeom prst="rect">
@@ -4400,7 +4401,7 @@
         </p:nvSpPr>
         <p:spPr>
           <a:xfrm>
-            <a:off x="2609659" y="4433213"/>
+            <a:off x="3079215" y="3586776"/>
             <a:ext cx="342475" cy="326907"/>
           </a:xfrm>
           <a:prstGeom prst="ellipse">
@@ -4455,7 +4456,7 @@
         </p:nvCxnSpPr>
         <p:spPr>
           <a:xfrm rot="5400000">
-            <a:off x="2337558" y="4934183"/>
+            <a:off x="2807114" y="4087746"/>
             <a:ext cx="617402" cy="269277"/>
           </a:xfrm>
           <a:prstGeom prst="bentConnector3">
@@ -4500,7 +4501,7 @@
         </p:nvCxnSpPr>
         <p:spPr>
           <a:xfrm rot="16200000" flipH="1">
-            <a:off x="2589481" y="4951535"/>
+            <a:off x="3059037" y="4105098"/>
             <a:ext cx="617402" cy="234571"/>
           </a:xfrm>
           <a:prstGeom prst="bentConnector3">
@@ -4545,7 +4546,7 @@
         </p:nvCxnSpPr>
         <p:spPr>
           <a:xfrm rot="5400000">
-            <a:off x="2678594" y="3974806"/>
+            <a:off x="3148150" y="3128369"/>
             <a:ext cx="560711" cy="356103"/>
           </a:xfrm>
           <a:prstGeom prst="bentConnector3">
@@ -4590,7 +4591,7 @@
         </p:nvCxnSpPr>
         <p:spPr>
           <a:xfrm rot="16200000" flipH="1">
-            <a:off x="3035013" y="3974488"/>
+            <a:off x="3504569" y="3128051"/>
             <a:ext cx="562404" cy="358431"/>
           </a:xfrm>
           <a:prstGeom prst="bentConnector3">
@@ -4637,7 +4638,7 @@
         </p:nvCxnSpPr>
         <p:spPr>
           <a:xfrm rot="16200000" flipH="1">
-            <a:off x="906021" y="4937470"/>
+            <a:off x="1375577" y="4091033"/>
             <a:ext cx="581109" cy="298994"/>
           </a:xfrm>
           <a:prstGeom prst="bentConnector3">
@@ -4684,7 +4685,7 @@
         </p:nvCxnSpPr>
         <p:spPr>
           <a:xfrm rot="16200000" flipH="1">
-            <a:off x="1355457" y="3961404"/>
+            <a:off x="1825013" y="3114967"/>
             <a:ext cx="594547" cy="416741"/>
           </a:xfrm>
           <a:prstGeom prst="bentConnector3">
@@ -4727,7 +4728,7 @@
         </p:nvSpPr>
         <p:spPr>
           <a:xfrm>
-            <a:off x="590043" y="5377522"/>
+            <a:off x="1059599" y="4531085"/>
             <a:ext cx="450148" cy="354150"/>
           </a:xfrm>
           <a:prstGeom prst="rect">
@@ -4791,7 +4792,7 @@
         </p:nvSpPr>
         <p:spPr>
           <a:xfrm>
-            <a:off x="4029475" y="5375516"/>
+            <a:off x="4499031" y="4529079"/>
             <a:ext cx="395901" cy="354150"/>
           </a:xfrm>
           <a:prstGeom prst="rect">
@@ -4852,7 +4853,7 @@
         </p:nvSpPr>
         <p:spPr>
           <a:xfrm>
-            <a:off x="4330047" y="4467048"/>
+            <a:off x="4799603" y="3620611"/>
             <a:ext cx="342475" cy="326907"/>
           </a:xfrm>
           <a:prstGeom prst="ellipse">
@@ -4907,7 +4908,7 @@
         </p:nvCxnSpPr>
         <p:spPr>
           <a:xfrm rot="5400000">
-            <a:off x="4073576" y="4947806"/>
+            <a:off x="4543132" y="4101369"/>
             <a:ext cx="581561" cy="273859"/>
           </a:xfrm>
           <a:prstGeom prst="bentConnector3">
@@ -4950,7 +4951,7 @@
         </p:nvSpPr>
         <p:spPr>
           <a:xfrm>
-            <a:off x="4544739" y="5377522"/>
+            <a:off x="5014295" y="4531085"/>
             <a:ext cx="395901" cy="354150"/>
           </a:xfrm>
           <a:prstGeom prst="rect">
@@ -5018,7 +5019,7 @@
         </p:nvCxnSpPr>
         <p:spPr>
           <a:xfrm rot="16200000" flipH="1">
-            <a:off x="4330204" y="4965035"/>
+            <a:off x="4799760" y="4118598"/>
             <a:ext cx="583567" cy="241405"/>
           </a:xfrm>
           <a:prstGeom prst="bentConnector3">
@@ -5061,7 +5062,7 @@
         </p:nvGrpSpPr>
         <p:grpSpPr>
           <a:xfrm>
-            <a:off x="1236452" y="3486356"/>
+            <a:off x="1706008" y="2639919"/>
             <a:ext cx="412527" cy="386146"/>
             <a:chOff x="1360124" y="3920067"/>
             <a:chExt cx="412527" cy="386146"/>
@@ -5177,7 +5178,7 @@
         </p:nvGrpSpPr>
         <p:grpSpPr>
           <a:xfrm>
-            <a:off x="2929092" y="3486356"/>
+            <a:off x="3398648" y="2639919"/>
             <a:ext cx="412527" cy="386146"/>
             <a:chOff x="1360124" y="3920067"/>
             <a:chExt cx="412527" cy="386146"/>
@@ -5293,7 +5294,7 @@
         </p:nvSpPr>
         <p:spPr>
           <a:xfrm>
-            <a:off x="5383591" y="4468286"/>
+            <a:off x="5853147" y="3621849"/>
             <a:ext cx="342475" cy="326907"/>
           </a:xfrm>
           <a:prstGeom prst="ellipse">
@@ -5344,7 +5345,7 @@
         </p:nvSpPr>
         <p:spPr>
           <a:xfrm>
-            <a:off x="5106559" y="5375516"/>
+            <a:off x="5576115" y="4529079"/>
             <a:ext cx="395901" cy="354150"/>
           </a:xfrm>
           <a:prstGeom prst="rect">
@@ -5406,7 +5407,7 @@
         </p:nvCxnSpPr>
         <p:spPr>
           <a:xfrm rot="5400000">
-            <a:off x="5139509" y="4960195"/>
+            <a:off x="5609065" y="4113758"/>
             <a:ext cx="580323" cy="250319"/>
           </a:xfrm>
           <a:prstGeom prst="bentConnector3">
@@ -5453,7 +5454,7 @@
         </p:nvCxnSpPr>
         <p:spPr>
           <a:xfrm rot="16200000" flipH="1">
-            <a:off x="5390175" y="4959846"/>
+            <a:off x="5859731" y="4113409"/>
             <a:ext cx="580323" cy="251015"/>
           </a:xfrm>
           <a:prstGeom prst="bentConnector3">
@@ -5496,7 +5497,7 @@
         </p:nvGrpSpPr>
         <p:grpSpPr>
           <a:xfrm>
-            <a:off x="5442498" y="3487327"/>
+            <a:off x="5912054" y="2640890"/>
             <a:ext cx="412527" cy="386146"/>
             <a:chOff x="1360124" y="3920067"/>
             <a:chExt cx="412527" cy="386146"/>
@@ -5616,7 +5617,7 @@
         </p:nvCxnSpPr>
         <p:spPr>
           <a:xfrm rot="5400000">
-            <a:off x="4976922" y="3905233"/>
+            <a:off x="5446478" y="3058796"/>
             <a:ext cx="705245" cy="641725"/>
           </a:xfrm>
           <a:prstGeom prst="bentConnector3">
@@ -5659,7 +5660,7 @@
         </p:nvSpPr>
         <p:spPr>
           <a:xfrm>
-            <a:off x="5900493" y="4578718"/>
+            <a:off x="6370049" y="3732281"/>
             <a:ext cx="710897" cy="229613"/>
           </a:xfrm>
           <a:prstGeom prst="rect">
@@ -5717,7 +5718,7 @@
         </p:nvCxnSpPr>
         <p:spPr>
           <a:xfrm rot="16200000" flipH="1">
-            <a:off x="5600552" y="3923327"/>
+            <a:off x="6070108" y="3076890"/>
             <a:ext cx="705245" cy="605536"/>
           </a:xfrm>
           <a:prstGeom prst="bentConnector3">
@@ -5760,7 +5761,7 @@
         </p:nvSpPr>
         <p:spPr>
           <a:xfrm>
-            <a:off x="8164250" y="5994620"/>
+            <a:off x="8633806" y="5148183"/>
             <a:ext cx="395901" cy="354150"/>
           </a:xfrm>
           <a:prstGeom prst="rect">
@@ -5821,7 +5822,7 @@
         </p:nvSpPr>
         <p:spPr>
           <a:xfrm>
-            <a:off x="7544011" y="5994620"/>
+            <a:off x="8013567" y="5148183"/>
             <a:ext cx="528663" cy="354150"/>
           </a:xfrm>
           <a:prstGeom prst="rect">
@@ -5885,7 +5886,7 @@
         </p:nvSpPr>
         <p:spPr>
           <a:xfrm>
-            <a:off x="7864361" y="4510972"/>
+            <a:off x="8333917" y="3664535"/>
             <a:ext cx="342475" cy="326907"/>
           </a:xfrm>
           <a:prstGeom prst="ellipse">
@@ -5940,7 +5941,7 @@
         </p:nvCxnSpPr>
         <p:spPr>
           <a:xfrm rot="16200000" flipH="1">
-            <a:off x="7491744" y="5678020"/>
+            <a:off x="7961300" y="4831583"/>
             <a:ext cx="305821" cy="327377"/>
           </a:xfrm>
           <a:prstGeom prst="bentConnector3">
@@ -5987,7 +5988,7 @@
         </p:nvCxnSpPr>
         <p:spPr>
           <a:xfrm rot="16200000" flipH="1">
-            <a:off x="8065599" y="4807879"/>
+            <a:off x="8535155" y="3961442"/>
             <a:ext cx="524014" cy="584014"/>
           </a:xfrm>
           <a:prstGeom prst="bentConnector3">
@@ -6030,7 +6031,7 @@
         </p:nvSpPr>
         <p:spPr>
           <a:xfrm>
-            <a:off x="10607451" y="5998368"/>
+            <a:off x="11077007" y="5151931"/>
             <a:ext cx="453259" cy="354150"/>
           </a:xfrm>
           <a:prstGeom prst="rect">
@@ -6088,7 +6089,7 @@
         </p:nvSpPr>
         <p:spPr>
           <a:xfrm>
-            <a:off x="9174879" y="5999412"/>
+            <a:off x="9644435" y="5152975"/>
             <a:ext cx="375447" cy="354150"/>
           </a:xfrm>
           <a:prstGeom prst="rect">
@@ -6133,7 +6134,7 @@
             <a:pPr algn="ctr"/>
             <a:r>
               <a:rPr lang="en-US" altLang="zh-CN" sz="400" dirty="0"/>
-              <a:t>Flank</a:t>
+              <a:t>Roll</a:t>
             </a:r>
           </a:p>
         </p:txBody>
@@ -6152,7 +6153,7 @@
         </p:nvSpPr>
         <p:spPr>
           <a:xfrm>
-            <a:off x="9904299" y="4510972"/>
+            <a:off x="10373855" y="3664535"/>
             <a:ext cx="342475" cy="326907"/>
           </a:xfrm>
           <a:prstGeom prst="ellipse">
@@ -6207,7 +6208,7 @@
         </p:nvCxnSpPr>
         <p:spPr>
           <a:xfrm rot="5400000">
-            <a:off x="9577012" y="4863366"/>
+            <a:off x="10046568" y="4016929"/>
             <a:ext cx="524013" cy="473039"/>
           </a:xfrm>
           <a:prstGeom prst="bentConnector3">
@@ -6254,7 +6255,7 @@
         </p:nvCxnSpPr>
         <p:spPr>
           <a:xfrm rot="16200000" flipH="1">
-            <a:off x="10063594" y="4849821"/>
+            <a:off x="10533150" y="4003384"/>
             <a:ext cx="524013" cy="500127"/>
           </a:xfrm>
           <a:prstGeom prst="bentConnector3">
@@ -6297,7 +6298,7 @@
         </p:nvGrpSpPr>
         <p:grpSpPr>
           <a:xfrm>
-            <a:off x="10063280" y="3485255"/>
+            <a:off x="9365123" y="2638818"/>
             <a:ext cx="412527" cy="386146"/>
             <a:chOff x="1360124" y="3920067"/>
             <a:chExt cx="412527" cy="386146"/>
@@ -6413,7 +6414,7 @@
         </p:nvSpPr>
         <p:spPr>
           <a:xfrm>
-            <a:off x="5591218" y="5375516"/>
+            <a:off x="6060774" y="4529079"/>
             <a:ext cx="429251" cy="354150"/>
           </a:xfrm>
           <a:prstGeom prst="rect">
@@ -6477,7 +6478,7 @@
         </p:nvSpPr>
         <p:spPr>
           <a:xfrm>
-            <a:off x="8448375" y="5361893"/>
+            <a:off x="8917931" y="4515456"/>
             <a:ext cx="342475" cy="326907"/>
           </a:xfrm>
           <a:prstGeom prst="ellipse">
@@ -6528,7 +6529,7 @@
         </p:nvSpPr>
         <p:spPr>
           <a:xfrm>
-            <a:off x="8666056" y="5994781"/>
+            <a:off x="9135612" y="5148344"/>
             <a:ext cx="395901" cy="354150"/>
           </a:xfrm>
           <a:prstGeom prst="rect">
@@ -6596,7 +6597,7 @@
         </p:nvCxnSpPr>
         <p:spPr>
           <a:xfrm rot="16200000" flipH="1">
-            <a:off x="8588820" y="5719593"/>
+            <a:off x="9058376" y="4873156"/>
             <a:ext cx="305981" cy="244394"/>
           </a:xfrm>
           <a:prstGeom prst="bentConnector3">
@@ -6643,7 +6644,7 @@
         </p:nvCxnSpPr>
         <p:spPr>
           <a:xfrm rot="5400000">
-            <a:off x="8337997" y="5713004"/>
+            <a:off x="8807553" y="4866567"/>
             <a:ext cx="305820" cy="257412"/>
           </a:xfrm>
           <a:prstGeom prst="bentConnector3">
@@ -6686,7 +6687,7 @@
         </p:nvSpPr>
         <p:spPr>
           <a:xfrm>
-            <a:off x="875840" y="4469506"/>
+            <a:off x="1345396" y="3623069"/>
             <a:ext cx="342475" cy="326907"/>
           </a:xfrm>
           <a:prstGeom prst="ellipse">
@@ -6741,7 +6742,7 @@
         </p:nvCxnSpPr>
         <p:spPr>
           <a:xfrm rot="5400000">
-            <a:off x="947217" y="3972363"/>
+            <a:off x="1416773" y="3125926"/>
             <a:ext cx="597004" cy="397282"/>
           </a:xfrm>
           <a:prstGeom prst="bentConnector3">
@@ -6788,7 +6789,7 @@
         </p:nvCxnSpPr>
         <p:spPr>
           <a:xfrm rot="5400000">
-            <a:off x="640544" y="4970987"/>
+            <a:off x="1110100" y="4124550"/>
             <a:ext cx="581109" cy="231961"/>
           </a:xfrm>
           <a:prstGeom prst="bentConnector3">
@@ -6831,7 +6832,7 @@
         </p:nvSpPr>
         <p:spPr>
           <a:xfrm>
-            <a:off x="4715157" y="4578718"/>
+            <a:off x="5184713" y="3732281"/>
             <a:ext cx="631116" cy="88138"/>
           </a:xfrm>
           <a:prstGeom prst="homePlate">
@@ -6868,12 +6869,59 @@
           </a:p>
         </p:txBody>
       </p:sp>
-      <p:sp>
-        <p:nvSpPr>
-          <p:cNvPr id="145" name="箭头: 五边形 144">
-            <a:extLst>
-              <a:ext uri="{FF2B5EF4-FFF2-40B4-BE49-F238E27FC236}">
-                <a16:creationId xmlns:a16="http://schemas.microsoft.com/office/drawing/2014/main" id="{E84C48E3-BA92-81A9-7ED4-23F665F6FAE7}"/>
+      <p:cxnSp>
+        <p:nvCxnSpPr>
+          <p:cNvPr id="146" name="连接符: 肘形 145">
+            <a:extLst>
+              <a:ext uri="{FF2B5EF4-FFF2-40B4-BE49-F238E27FC236}">
+                <a16:creationId xmlns:a16="http://schemas.microsoft.com/office/drawing/2014/main" id="{FCA37DB7-9988-ECDE-EA01-7E111506DD3D}"/>
+              </a:ext>
+            </a:extLst>
+          </p:cNvPr>
+          <p:cNvCxnSpPr>
+            <a:cxnSpLocks/>
+            <a:stCxn id="109" idx="2"/>
+            <a:endCxn id="94" idx="0"/>
+          </p:cNvCxnSpPr>
+          <p:nvPr/>
+        </p:nvCxnSpPr>
+        <p:spPr>
+          <a:xfrm rot="5400000">
+            <a:off x="8719308" y="2810811"/>
+            <a:ext cx="639571" cy="1067876"/>
+          </a:xfrm>
+          <a:prstGeom prst="bentConnector3">
+            <a:avLst>
+              <a:gd name="adj1" fmla="val 50000"/>
+            </a:avLst>
+          </a:prstGeom>
+          <a:ln w="12700">
+            <a:solidFill>
+              <a:schemeClr val="tx1"/>
+            </a:solidFill>
+          </a:ln>
+        </p:spPr>
+        <p:style>
+          <a:lnRef idx="1">
+            <a:schemeClr val="accent1"/>
+          </a:lnRef>
+          <a:fillRef idx="0">
+            <a:schemeClr val="accent1"/>
+          </a:fillRef>
+          <a:effectRef idx="0">
+            <a:schemeClr val="accent1"/>
+          </a:effectRef>
+          <a:fontRef idx="minor">
+            <a:schemeClr val="tx1"/>
+          </a:fontRef>
+        </p:style>
+      </p:cxnSp>
+      <p:sp>
+        <p:nvSpPr>
+          <p:cNvPr id="153" name="椭圆 152">
+            <a:extLst>
+              <a:ext uri="{FF2B5EF4-FFF2-40B4-BE49-F238E27FC236}">
+                <a16:creationId xmlns:a16="http://schemas.microsoft.com/office/drawing/2014/main" id="{A5670403-DEFE-E3E3-37E9-60D8F6E989AE}"/>
               </a:ext>
             </a:extLst>
           </p:cNvPr>
@@ -6882,10 +6930,10 @@
         </p:nvSpPr>
         <p:spPr>
           <a:xfrm>
-            <a:off x="8250767" y="4612748"/>
-            <a:ext cx="1625791" cy="103541"/>
-          </a:xfrm>
-          <a:prstGeom prst="homePlate">
+            <a:off x="4606203" y="4439115"/>
+            <a:ext cx="160908" cy="152682"/>
+          </a:xfrm>
+          <a:prstGeom prst="ellipse">
             <a:avLst/>
           </a:prstGeom>
           <a:ln>
@@ -6915,63 +6963,20 @@
           <a:lstStyle/>
           <a:p>
             <a:pPr algn="ctr"/>
-            <a:endParaRPr lang="zh-CN" altLang="en-US"/>
-          </a:p>
-        </p:txBody>
-      </p:sp>
-      <p:cxnSp>
-        <p:nvCxnSpPr>
-          <p:cNvPr id="146" name="连接符: 肘形 145">
-            <a:extLst>
-              <a:ext uri="{FF2B5EF4-FFF2-40B4-BE49-F238E27FC236}">
-                <a16:creationId xmlns:a16="http://schemas.microsoft.com/office/drawing/2014/main" id="{FCA37DB7-9988-ECDE-EA01-7E111506DD3D}"/>
-              </a:ext>
-            </a:extLst>
-          </p:cNvPr>
-          <p:cNvCxnSpPr>
-            <a:cxnSpLocks/>
-            <a:stCxn id="109" idx="2"/>
-            <a:endCxn id="145" idx="0"/>
-          </p:cNvCxnSpPr>
-          <p:nvPr/>
-        </p:nvCxnSpPr>
-        <p:spPr>
-          <a:xfrm rot="5400000">
-            <a:off x="9283810" y="3625369"/>
-            <a:ext cx="741347" cy="1233411"/>
-          </a:xfrm>
-          <a:prstGeom prst="bentConnector3">
-            <a:avLst>
-              <a:gd name="adj1" fmla="val 50000"/>
-            </a:avLst>
-          </a:prstGeom>
-          <a:ln w="12700">
-            <a:solidFill>
-              <a:schemeClr val="tx1"/>
-            </a:solidFill>
-          </a:ln>
-        </p:spPr>
-        <p:style>
-          <a:lnRef idx="1">
-            <a:schemeClr val="accent1"/>
-          </a:lnRef>
-          <a:fillRef idx="0">
-            <a:schemeClr val="accent1"/>
-          </a:fillRef>
-          <a:effectRef idx="0">
-            <a:schemeClr val="accent1"/>
-          </a:effectRef>
-          <a:fontRef idx="minor">
-            <a:schemeClr val="tx1"/>
-          </a:fontRef>
-        </p:style>
-      </p:cxnSp>
-      <p:sp>
-        <p:nvSpPr>
-          <p:cNvPr id="153" name="椭圆 152">
-            <a:extLst>
-              <a:ext uri="{FF2B5EF4-FFF2-40B4-BE49-F238E27FC236}">
-                <a16:creationId xmlns:a16="http://schemas.microsoft.com/office/drawing/2014/main" id="{A5670403-DEFE-E3E3-37E9-60D8F6E989AE}"/>
+            <a:r>
+              <a:rPr lang="en-US" altLang="zh-CN" sz="1100" dirty="0"/>
+              <a:t>7</a:t>
+            </a:r>
+            <a:endParaRPr lang="zh-CN" altLang="en-US" sz="1100" dirty="0"/>
+          </a:p>
+        </p:txBody>
+      </p:sp>
+      <p:sp>
+        <p:nvSpPr>
+          <p:cNvPr id="154" name="椭圆 153">
+            <a:extLst>
+              <a:ext uri="{FF2B5EF4-FFF2-40B4-BE49-F238E27FC236}">
+                <a16:creationId xmlns:a16="http://schemas.microsoft.com/office/drawing/2014/main" id="{F3B248C8-7CE6-3966-3093-D398E50E48EA}"/>
               </a:ext>
             </a:extLst>
           </p:cNvPr>
@@ -6980,7 +6985,7 @@
         </p:nvSpPr>
         <p:spPr>
           <a:xfrm>
-            <a:off x="4136647" y="5285552"/>
+            <a:off x="5128191" y="4439115"/>
             <a:ext cx="160908" cy="152682"/>
           </a:xfrm>
           <a:prstGeom prst="ellipse">
@@ -7015,7 +7020,7 @@
             <a:pPr algn="ctr"/>
             <a:r>
               <a:rPr lang="en-US" altLang="zh-CN" sz="1100" dirty="0"/>
-              <a:t>7</a:t>
+              <a:t>3</a:t>
             </a:r>
             <a:endParaRPr lang="zh-CN" altLang="en-US" sz="1100" dirty="0"/>
           </a:p>
@@ -7023,10 +7028,10 @@
       </p:sp>
       <p:sp>
         <p:nvSpPr>
-          <p:cNvPr id="154" name="椭圆 153">
-            <a:extLst>
-              <a:ext uri="{FF2B5EF4-FFF2-40B4-BE49-F238E27FC236}">
-                <a16:creationId xmlns:a16="http://schemas.microsoft.com/office/drawing/2014/main" id="{F3B248C8-7CE6-3966-3093-D398E50E48EA}"/>
+          <p:cNvPr id="155" name="椭圆 154">
+            <a:extLst>
+              <a:ext uri="{FF2B5EF4-FFF2-40B4-BE49-F238E27FC236}">
+                <a16:creationId xmlns:a16="http://schemas.microsoft.com/office/drawing/2014/main" id="{55E0CB9B-96D6-FDA0-9689-352DBFDE4B70}"/>
               </a:ext>
             </a:extLst>
           </p:cNvPr>
@@ -7035,7 +7040,7 @@
         </p:nvSpPr>
         <p:spPr>
           <a:xfrm>
-            <a:off x="4658635" y="5285552"/>
+            <a:off x="3409662" y="4439115"/>
             <a:ext cx="160908" cy="152682"/>
           </a:xfrm>
           <a:prstGeom prst="ellipse">
@@ -7070,7 +7075,7 @@
             <a:pPr algn="ctr"/>
             <a:r>
               <a:rPr lang="en-US" altLang="zh-CN" sz="1100" dirty="0"/>
-              <a:t>3</a:t>
+              <a:t>5</a:t>
             </a:r>
             <a:endParaRPr lang="zh-CN" altLang="en-US" sz="1100" dirty="0"/>
           </a:p>
@@ -7078,10 +7083,10 @@
       </p:sp>
       <p:sp>
         <p:nvSpPr>
-          <p:cNvPr id="155" name="椭圆 154">
-            <a:extLst>
-              <a:ext uri="{FF2B5EF4-FFF2-40B4-BE49-F238E27FC236}">
-                <a16:creationId xmlns:a16="http://schemas.microsoft.com/office/drawing/2014/main" id="{55E0CB9B-96D6-FDA0-9689-352DBFDE4B70}"/>
+          <p:cNvPr id="156" name="椭圆 155">
+            <a:extLst>
+              <a:ext uri="{FF2B5EF4-FFF2-40B4-BE49-F238E27FC236}">
+                <a16:creationId xmlns:a16="http://schemas.microsoft.com/office/drawing/2014/main" id="{DAB3CCAA-1FDD-FCB8-1BDF-3B125B6F4B73}"/>
               </a:ext>
             </a:extLst>
           </p:cNvPr>
@@ -7090,7 +7095,7 @@
         </p:nvSpPr>
         <p:spPr>
           <a:xfrm>
-            <a:off x="2940106" y="5285552"/>
+            <a:off x="2893037" y="4439114"/>
             <a:ext cx="160908" cy="152682"/>
           </a:xfrm>
           <a:prstGeom prst="ellipse">
@@ -7133,10 +7138,10 @@
       </p:sp>
       <p:sp>
         <p:nvSpPr>
-          <p:cNvPr id="156" name="椭圆 155">
-            <a:extLst>
-              <a:ext uri="{FF2B5EF4-FFF2-40B4-BE49-F238E27FC236}">
-                <a16:creationId xmlns:a16="http://schemas.microsoft.com/office/drawing/2014/main" id="{DAB3CCAA-1FDD-FCB8-1BDF-3B125B6F4B73}"/>
+          <p:cNvPr id="157" name="椭圆 156">
+            <a:extLst>
+              <a:ext uri="{FF2B5EF4-FFF2-40B4-BE49-F238E27FC236}">
+                <a16:creationId xmlns:a16="http://schemas.microsoft.com/office/drawing/2014/main" id="{A1D1715A-9DD2-5B2C-2AB7-F8BE3F61ADF1}"/>
               </a:ext>
             </a:extLst>
           </p:cNvPr>
@@ -7145,7 +7150,7 @@
         </p:nvSpPr>
         <p:spPr>
           <a:xfrm>
-            <a:off x="2423481" y="5285551"/>
+            <a:off x="1734539" y="4452859"/>
             <a:ext cx="160908" cy="152682"/>
           </a:xfrm>
           <a:prstGeom prst="ellipse">
@@ -7188,10 +7193,10 @@
       </p:sp>
       <p:sp>
         <p:nvSpPr>
-          <p:cNvPr id="157" name="椭圆 156">
-            <a:extLst>
-              <a:ext uri="{FF2B5EF4-FFF2-40B4-BE49-F238E27FC236}">
-                <a16:creationId xmlns:a16="http://schemas.microsoft.com/office/drawing/2014/main" id="{A1D1715A-9DD2-5B2C-2AB7-F8BE3F61ADF1}"/>
+          <p:cNvPr id="158" name="椭圆 157">
+            <a:extLst>
+              <a:ext uri="{FF2B5EF4-FFF2-40B4-BE49-F238E27FC236}">
+                <a16:creationId xmlns:a16="http://schemas.microsoft.com/office/drawing/2014/main" id="{8F43D760-A939-9A0C-61FB-48EA19A1915A}"/>
               </a:ext>
             </a:extLst>
           </p:cNvPr>
@@ -7200,7 +7205,7 @@
         </p:nvSpPr>
         <p:spPr>
           <a:xfrm>
-            <a:off x="1264983" y="5299296"/>
+            <a:off x="1201610" y="4454068"/>
             <a:ext cx="160908" cy="152682"/>
           </a:xfrm>
           <a:prstGeom prst="ellipse">
@@ -7243,10 +7248,10 @@
       </p:sp>
       <p:sp>
         <p:nvSpPr>
-          <p:cNvPr id="158" name="椭圆 157">
-            <a:extLst>
-              <a:ext uri="{FF2B5EF4-FFF2-40B4-BE49-F238E27FC236}">
-                <a16:creationId xmlns:a16="http://schemas.microsoft.com/office/drawing/2014/main" id="{8F43D760-A939-9A0C-61FB-48EA19A1915A}"/>
+          <p:cNvPr id="161" name="椭圆 160">
+            <a:extLst>
+              <a:ext uri="{FF2B5EF4-FFF2-40B4-BE49-F238E27FC236}">
+                <a16:creationId xmlns:a16="http://schemas.microsoft.com/office/drawing/2014/main" id="{6B198538-9FC8-D6D2-88D5-76CBDD3AEFD1}"/>
               </a:ext>
             </a:extLst>
           </p:cNvPr>
@@ -7255,7 +7260,7 @@
         </p:nvSpPr>
         <p:spPr>
           <a:xfrm>
-            <a:off x="732054" y="5300505"/>
+            <a:off x="5686144" y="4446767"/>
             <a:ext cx="160908" cy="152682"/>
           </a:xfrm>
           <a:prstGeom prst="ellipse">
@@ -7298,10 +7303,10 @@
       </p:sp>
       <p:sp>
         <p:nvSpPr>
-          <p:cNvPr id="161" name="椭圆 160">
-            <a:extLst>
-              <a:ext uri="{FF2B5EF4-FFF2-40B4-BE49-F238E27FC236}">
-                <a16:creationId xmlns:a16="http://schemas.microsoft.com/office/drawing/2014/main" id="{6B198538-9FC8-D6D2-88D5-76CBDD3AEFD1}"/>
+          <p:cNvPr id="162" name="椭圆 161">
+            <a:extLst>
+              <a:ext uri="{FF2B5EF4-FFF2-40B4-BE49-F238E27FC236}">
+                <a16:creationId xmlns:a16="http://schemas.microsoft.com/office/drawing/2014/main" id="{00AB2834-9EC2-1D00-047E-1C186DA5DB79}"/>
               </a:ext>
             </a:extLst>
           </p:cNvPr>
@@ -7310,7 +7315,7 @@
         </p:nvSpPr>
         <p:spPr>
           <a:xfrm>
-            <a:off x="5216588" y="5293204"/>
+            <a:off x="6194869" y="4446767"/>
             <a:ext cx="160908" cy="152682"/>
           </a:xfrm>
           <a:prstGeom prst="ellipse">
@@ -7353,10 +7358,10 @@
       </p:sp>
       <p:sp>
         <p:nvSpPr>
-          <p:cNvPr id="162" name="椭圆 161">
-            <a:extLst>
-              <a:ext uri="{FF2B5EF4-FFF2-40B4-BE49-F238E27FC236}">
-                <a16:creationId xmlns:a16="http://schemas.microsoft.com/office/drawing/2014/main" id="{00AB2834-9EC2-1D00-047E-1C186DA5DB79}"/>
+          <p:cNvPr id="164" name="椭圆 163">
+            <a:extLst>
+              <a:ext uri="{FF2B5EF4-FFF2-40B4-BE49-F238E27FC236}">
+                <a16:creationId xmlns:a16="http://schemas.microsoft.com/office/drawing/2014/main" id="{396B8985-05DC-D61D-9C62-889894344F86}"/>
               </a:ext>
             </a:extLst>
           </p:cNvPr>
@@ -7365,7 +7370,7 @@
         </p:nvSpPr>
         <p:spPr>
           <a:xfrm>
-            <a:off x="5725313" y="5293204"/>
+            <a:off x="8751302" y="5071841"/>
             <a:ext cx="160908" cy="152682"/>
           </a:xfrm>
           <a:prstGeom prst="ellipse">
@@ -7408,10 +7413,10 @@
       </p:sp>
       <p:sp>
         <p:nvSpPr>
-          <p:cNvPr id="164" name="椭圆 163">
-            <a:extLst>
-              <a:ext uri="{FF2B5EF4-FFF2-40B4-BE49-F238E27FC236}">
-                <a16:creationId xmlns:a16="http://schemas.microsoft.com/office/drawing/2014/main" id="{396B8985-05DC-D61D-9C62-889894344F86}"/>
+          <p:cNvPr id="165" name="椭圆 164">
+            <a:extLst>
+              <a:ext uri="{FF2B5EF4-FFF2-40B4-BE49-F238E27FC236}">
+                <a16:creationId xmlns:a16="http://schemas.microsoft.com/office/drawing/2014/main" id="{6E2E6C78-412D-C0FE-9C32-66450838C999}"/>
               </a:ext>
             </a:extLst>
           </p:cNvPr>
@@ -7420,7 +7425,7 @@
         </p:nvSpPr>
         <p:spPr>
           <a:xfrm>
-            <a:off x="8281746" y="5918278"/>
+            <a:off x="9253108" y="5077023"/>
             <a:ext cx="160908" cy="152682"/>
           </a:xfrm>
           <a:prstGeom prst="ellipse">
@@ -7463,10 +7468,10 @@
       </p:sp>
       <p:sp>
         <p:nvSpPr>
-          <p:cNvPr id="165" name="椭圆 164">
-            <a:extLst>
-              <a:ext uri="{FF2B5EF4-FFF2-40B4-BE49-F238E27FC236}">
-                <a16:creationId xmlns:a16="http://schemas.microsoft.com/office/drawing/2014/main" id="{6E2E6C78-412D-C0FE-9C32-66450838C999}"/>
+          <p:cNvPr id="173" name="矩形 172">
+            <a:extLst>
+              <a:ext uri="{FF2B5EF4-FFF2-40B4-BE49-F238E27FC236}">
+                <a16:creationId xmlns:a16="http://schemas.microsoft.com/office/drawing/2014/main" id="{ED3FFD40-79BE-7A9E-D5BE-967A3367E09D}"/>
               </a:ext>
             </a:extLst>
           </p:cNvPr>
@@ -7475,12 +7480,15 @@
         </p:nvSpPr>
         <p:spPr>
           <a:xfrm>
-            <a:off x="8783552" y="5923460"/>
-            <a:ext cx="160908" cy="152682"/>
-          </a:xfrm>
-          <a:prstGeom prst="ellipse">
+            <a:off x="10581766" y="5151549"/>
+            <a:ext cx="429251" cy="354150"/>
+          </a:xfrm>
+          <a:prstGeom prst="rect">
             <a:avLst/>
           </a:prstGeom>
+          <a:solidFill>
+            <a:schemeClr val="accent1"/>
+          </a:solidFill>
           <a:ln>
             <a:solidFill>
               <a:schemeClr val="tx1"/>
@@ -7509,118 +7517,6 @@
           <a:p>
             <a:pPr algn="ctr"/>
             <a:r>
-              <a:rPr lang="en-US" altLang="zh-CN" sz="1100" dirty="0"/>
-              <a:t>5</a:t>
-            </a:r>
-            <a:endParaRPr lang="zh-CN" altLang="en-US" sz="1100" dirty="0"/>
-          </a:p>
-        </p:txBody>
-      </p:sp>
-      <p:sp>
-        <p:nvSpPr>
-          <p:cNvPr id="169" name="矩形 168">
-            <a:extLst>
-              <a:ext uri="{FF2B5EF4-FFF2-40B4-BE49-F238E27FC236}">
-                <a16:creationId xmlns:a16="http://schemas.microsoft.com/office/drawing/2014/main" id="{36A73654-B35E-2BCD-97EA-44AF7663A0C9}"/>
-              </a:ext>
-            </a:extLst>
-          </p:cNvPr>
-          <p:cNvSpPr/>
-          <p:nvPr/>
-        </p:nvSpPr>
-        <p:spPr>
-          <a:xfrm>
-            <a:off x="10923279" y="4612748"/>
-            <a:ext cx="710897" cy="229613"/>
-          </a:xfrm>
-          <a:prstGeom prst="rect">
-            <a:avLst/>
-          </a:prstGeom>
-          <a:ln>
-            <a:solidFill>
-              <a:schemeClr val="tx1"/>
-            </a:solidFill>
-          </a:ln>
-        </p:spPr>
-        <p:style>
-          <a:lnRef idx="2">
-            <a:schemeClr val="accent1">
-              <a:shade val="50000"/>
-            </a:schemeClr>
-          </a:lnRef>
-          <a:fillRef idx="1">
-            <a:schemeClr val="accent1"/>
-          </a:fillRef>
-          <a:effectRef idx="0">
-            <a:schemeClr val="accent1"/>
-          </a:effectRef>
-          <a:fontRef idx="minor">
-            <a:schemeClr val="lt1"/>
-          </a:fontRef>
-        </p:style>
-        <p:txBody>
-          <a:bodyPr rtlCol="0" anchor="ctr"/>
-          <a:lstStyle/>
-          <a:p>
-            <a:pPr algn="ctr"/>
-            <a:r>
-              <a:rPr lang="en-US" altLang="zh-CN" sz="400" dirty="0"/>
-              <a:t>Confrontation</a:t>
-            </a:r>
-          </a:p>
-        </p:txBody>
-      </p:sp>
-      <p:sp>
-        <p:nvSpPr>
-          <p:cNvPr id="173" name="矩形 172">
-            <a:extLst>
-              <a:ext uri="{FF2B5EF4-FFF2-40B4-BE49-F238E27FC236}">
-                <a16:creationId xmlns:a16="http://schemas.microsoft.com/office/drawing/2014/main" id="{ED3FFD40-79BE-7A9E-D5BE-967A3367E09D}"/>
-              </a:ext>
-            </a:extLst>
-          </p:cNvPr>
-          <p:cNvSpPr/>
-          <p:nvPr/>
-        </p:nvSpPr>
-        <p:spPr>
-          <a:xfrm>
-            <a:off x="10112210" y="5997986"/>
-            <a:ext cx="429251" cy="354150"/>
-          </a:xfrm>
-          <a:prstGeom prst="rect">
-            <a:avLst/>
-          </a:prstGeom>
-          <a:solidFill>
-            <a:schemeClr val="accent1"/>
-          </a:solidFill>
-          <a:ln>
-            <a:solidFill>
-              <a:schemeClr val="tx1"/>
-            </a:solidFill>
-          </a:ln>
-        </p:spPr>
-        <p:style>
-          <a:lnRef idx="2">
-            <a:schemeClr val="accent1">
-              <a:shade val="50000"/>
-            </a:schemeClr>
-          </a:lnRef>
-          <a:fillRef idx="1">
-            <a:schemeClr val="accent1"/>
-          </a:fillRef>
-          <a:effectRef idx="0">
-            <a:schemeClr val="accent1"/>
-          </a:effectRef>
-          <a:fontRef idx="minor">
-            <a:schemeClr val="lt1"/>
-          </a:fontRef>
-        </p:style>
-        <p:txBody>
-          <a:bodyPr rtlCol="0" anchor="ctr"/>
-          <a:lstStyle/>
-          <a:p>
-            <a:pPr algn="ctr"/>
-            <a:r>
               <a:rPr lang="en-US" altLang="zh-CN" sz="400" dirty="0" err="1"/>
               <a:t>BackRoll</a:t>
             </a:r>
@@ -7642,7 +7538,7 @@
         </p:nvSpPr>
         <p:spPr>
           <a:xfrm>
-            <a:off x="10404426" y="5361892"/>
+            <a:off x="10873982" y="4515455"/>
             <a:ext cx="342475" cy="326907"/>
           </a:xfrm>
           <a:prstGeom prst="ellipse">
@@ -7697,7 +7593,7 @@
         </p:nvCxnSpPr>
         <p:spPr>
           <a:xfrm rot="16200000" flipH="1">
-            <a:off x="10550088" y="5714374"/>
+            <a:off x="11019644" y="4867937"/>
             <a:ext cx="309569" cy="258417"/>
           </a:xfrm>
           <a:prstGeom prst="bentConnector3">
@@ -7744,7 +7640,7 @@
         </p:nvCxnSpPr>
         <p:spPr>
           <a:xfrm rot="5400000">
-            <a:off x="10296657" y="5718978"/>
+            <a:off x="10766213" y="4872541"/>
             <a:ext cx="309187" cy="248828"/>
           </a:xfrm>
           <a:prstGeom prst="bentConnector3">
@@ -7787,7 +7683,7 @@
         </p:nvSpPr>
         <p:spPr>
           <a:xfrm>
-            <a:off x="10257734" y="5918278"/>
+            <a:off x="10727290" y="5071841"/>
             <a:ext cx="160908" cy="152682"/>
           </a:xfrm>
           <a:prstGeom prst="ellipse">
@@ -7842,7 +7738,7 @@
         </p:nvSpPr>
         <p:spPr>
           <a:xfrm>
-            <a:off x="10753626" y="5918278"/>
+            <a:off x="11223182" y="5071841"/>
             <a:ext cx="160908" cy="152682"/>
           </a:xfrm>
           <a:prstGeom prst="ellipse">
@@ -7897,7 +7793,7 @@
         </p:nvSpPr>
         <p:spPr>
           <a:xfrm>
-            <a:off x="9431260" y="5361892"/>
+            <a:off x="9900816" y="4515455"/>
             <a:ext cx="342475" cy="326907"/>
           </a:xfrm>
           <a:prstGeom prst="ellipse">
@@ -7948,7 +7844,7 @@
         </p:nvSpPr>
         <p:spPr>
           <a:xfrm>
-            <a:off x="9606052" y="5998367"/>
+            <a:off x="10075608" y="5151930"/>
             <a:ext cx="429251" cy="354150"/>
           </a:xfrm>
           <a:prstGeom prst="rect">
@@ -8016,7 +7912,7 @@
         </p:nvCxnSpPr>
         <p:spPr>
           <a:xfrm rot="16200000" flipH="1">
-            <a:off x="9556804" y="5734493"/>
+            <a:off x="10026360" y="4888056"/>
             <a:ext cx="309568" cy="218180"/>
           </a:xfrm>
           <a:prstGeom prst="bentConnector3">
@@ -8059,7 +7955,7 @@
         </p:nvSpPr>
         <p:spPr>
           <a:xfrm>
-            <a:off x="9732813" y="5918278"/>
+            <a:off x="10202369" y="5071841"/>
             <a:ext cx="160908" cy="152682"/>
           </a:xfrm>
           <a:prstGeom prst="ellipse">
@@ -8118,7 +8014,7 @@
         </p:nvCxnSpPr>
         <p:spPr>
           <a:xfrm rot="5400000">
-            <a:off x="9327245" y="5724158"/>
+            <a:off x="9796801" y="4877721"/>
             <a:ext cx="310613" cy="239895"/>
           </a:xfrm>
           <a:prstGeom prst="bentConnector3">
@@ -8161,7 +8057,7 @@
         </p:nvSpPr>
         <p:spPr>
           <a:xfrm>
-            <a:off x="9280373" y="5918278"/>
+            <a:off x="9749929" y="5071841"/>
             <a:ext cx="160908" cy="152682"/>
           </a:xfrm>
           <a:prstGeom prst="ellipse">
@@ -8216,7 +8112,7 @@
         </p:nvSpPr>
         <p:spPr>
           <a:xfrm>
-            <a:off x="10500374" y="5300505"/>
+            <a:off x="10969930" y="4454068"/>
             <a:ext cx="160908" cy="152682"/>
           </a:xfrm>
           <a:prstGeom prst="ellipse">
@@ -8271,7 +8167,7 @@
         </p:nvSpPr>
         <p:spPr>
           <a:xfrm>
-            <a:off x="9513568" y="5293204"/>
+            <a:off x="9983124" y="4446767"/>
             <a:ext cx="160908" cy="152682"/>
           </a:xfrm>
           <a:prstGeom prst="ellipse">
@@ -8324,14 +8220,14 @@
           <p:cNvCxnSpPr>
             <a:cxnSpLocks/>
             <a:stCxn id="109" idx="2"/>
-            <a:endCxn id="169" idx="0"/>
+            <a:endCxn id="104" idx="0"/>
           </p:cNvCxnSpPr>
           <p:nvPr/>
         </p:nvCxnSpPr>
         <p:spPr>
           <a:xfrm rot="16200000" flipH="1">
-            <a:off x="10404285" y="3738304"/>
-            <a:ext cx="741347" cy="1007540"/>
+            <a:off x="9739277" y="2858718"/>
+            <a:ext cx="639571" cy="972062"/>
           </a:xfrm>
           <a:prstGeom prst="bentConnector3">
             <a:avLst>
@@ -8373,7 +8269,7 @@
         </p:nvSpPr>
         <p:spPr>
           <a:xfrm>
-            <a:off x="5554828" y="2066838"/>
+            <a:off x="6024384" y="1220401"/>
             <a:ext cx="995966" cy="299720"/>
           </a:xfrm>
           <a:prstGeom prst="ellipse">
@@ -8426,8 +8322,8 @@
         </p:nvCxnSpPr>
         <p:spPr>
           <a:xfrm rot="16200000" flipH="1">
-            <a:off x="7601829" y="817539"/>
-            <a:ext cx="1118697" cy="4216733"/>
+            <a:off x="7487529" y="554959"/>
+            <a:ext cx="1118697" cy="3049020"/>
           </a:xfrm>
           <a:prstGeom prst="bentConnector3">
             <a:avLst>
@@ -8473,7 +8369,7 @@
         </p:nvCxnSpPr>
         <p:spPr>
           <a:xfrm rot="5400000">
-            <a:off x="5290403" y="2724918"/>
+            <a:off x="5759959" y="1878481"/>
             <a:ext cx="1120769" cy="404049"/>
           </a:xfrm>
           <a:prstGeom prst="bentConnector3">
@@ -8520,7 +8416,7 @@
         </p:nvCxnSpPr>
         <p:spPr>
           <a:xfrm rot="5400000">
-            <a:off x="4034185" y="1467730"/>
+            <a:off x="4503741" y="621293"/>
             <a:ext cx="1119798" cy="2917455"/>
           </a:xfrm>
           <a:prstGeom prst="bentConnector3">
@@ -8567,7 +8463,7 @@
         </p:nvCxnSpPr>
         <p:spPr>
           <a:xfrm rot="5400000">
-            <a:off x="3187865" y="621410"/>
+            <a:off x="3657421" y="-225027"/>
             <a:ext cx="1119798" cy="4610095"/>
           </a:xfrm>
           <a:prstGeom prst="bentConnector3">
@@ -8610,7 +8506,7 @@
         </p:nvSpPr>
         <p:spPr>
           <a:xfrm>
-            <a:off x="7309728" y="5361892"/>
+            <a:off x="7779284" y="4515455"/>
             <a:ext cx="342475" cy="326907"/>
           </a:xfrm>
           <a:prstGeom prst="ellipse">
@@ -8661,7 +8557,7 @@
         </p:nvSpPr>
         <p:spPr>
           <a:xfrm>
-            <a:off x="6868066" y="5994620"/>
+            <a:off x="7337622" y="5148183"/>
             <a:ext cx="528663" cy="354150"/>
           </a:xfrm>
           <a:prstGeom prst="rect">
@@ -8726,7 +8622,7 @@
         </p:nvSpPr>
         <p:spPr>
           <a:xfrm>
-            <a:off x="7732640" y="5918278"/>
+            <a:off x="8202196" y="5071841"/>
             <a:ext cx="160908" cy="152682"/>
           </a:xfrm>
           <a:prstGeom prst="ellipse">
@@ -8785,7 +8681,7 @@
         </p:nvCxnSpPr>
         <p:spPr>
           <a:xfrm rot="5400000">
-            <a:off x="7153772" y="5667425"/>
+            <a:off x="7623328" y="4820988"/>
             <a:ext cx="305821" cy="348568"/>
           </a:xfrm>
           <a:prstGeom prst="bentConnector3">
@@ -8828,7 +8724,7 @@
         </p:nvSpPr>
         <p:spPr>
           <a:xfrm>
-            <a:off x="7051780" y="5918278"/>
+            <a:off x="7521336" y="5071841"/>
             <a:ext cx="160908" cy="152682"/>
           </a:xfrm>
           <a:prstGeom prst="ellipse">
@@ -8887,7 +8783,7 @@
         </p:nvCxnSpPr>
         <p:spPr>
           <a:xfrm rot="5400000">
-            <a:off x="7496277" y="4822569"/>
+            <a:off x="7965833" y="3976132"/>
             <a:ext cx="524013" cy="554633"/>
           </a:xfrm>
           <a:prstGeom prst="bentConnector3">
@@ -8930,7 +8826,7 @@
         </p:nvSpPr>
         <p:spPr>
           <a:xfrm>
-            <a:off x="7399285" y="5323654"/>
+            <a:off x="7868841" y="4477217"/>
             <a:ext cx="160908" cy="152682"/>
           </a:xfrm>
           <a:prstGeom prst="ellipse">
@@ -8985,7 +8881,7 @@
         </p:nvSpPr>
         <p:spPr>
           <a:xfrm>
-            <a:off x="8536250" y="5300505"/>
+            <a:off x="9005806" y="4454068"/>
             <a:ext cx="160908" cy="152682"/>
           </a:xfrm>
           <a:prstGeom prst="ellipse">
@@ -9040,7 +8936,7 @@
         </p:nvSpPr>
         <p:spPr>
           <a:xfrm>
-            <a:off x="730104" y="5656586"/>
+            <a:off x="1199660" y="4810149"/>
             <a:ext cx="154116" cy="163153"/>
           </a:xfrm>
           <a:prstGeom prst="triangle">
@@ -9091,7 +8987,7 @@
         </p:nvSpPr>
         <p:spPr>
           <a:xfrm>
-            <a:off x="1273578" y="5656081"/>
+            <a:off x="1743134" y="4809644"/>
             <a:ext cx="154116" cy="163153"/>
           </a:xfrm>
           <a:prstGeom prst="triangle">
@@ -9142,7 +9038,7 @@
         </p:nvSpPr>
         <p:spPr>
           <a:xfrm>
-            <a:off x="4139406" y="5665497"/>
+            <a:off x="4608962" y="4819060"/>
             <a:ext cx="154116" cy="163153"/>
           </a:xfrm>
           <a:prstGeom prst="triangle">
@@ -9193,7 +9089,7 @@
         </p:nvSpPr>
         <p:spPr>
           <a:xfrm>
-            <a:off x="4676616" y="5656081"/>
+            <a:off x="5146172" y="4809644"/>
             <a:ext cx="154116" cy="163153"/>
           </a:xfrm>
           <a:prstGeom prst="triangle">
@@ -9244,7 +9140,7 @@
         </p:nvSpPr>
         <p:spPr>
           <a:xfrm>
-            <a:off x="7724060" y="6261925"/>
+            <a:off x="8193616" y="5415488"/>
             <a:ext cx="154116" cy="163153"/>
           </a:xfrm>
           <a:prstGeom prst="triangle">
@@ -9295,7 +9191,7 @@
         </p:nvSpPr>
         <p:spPr>
           <a:xfrm>
-            <a:off x="7058572" y="6267193"/>
+            <a:off x="7528128" y="5420756"/>
             <a:ext cx="154116" cy="163153"/>
           </a:xfrm>
           <a:prstGeom prst="triangle">
@@ -9346,7 +9242,7 @@
         </p:nvSpPr>
         <p:spPr>
           <a:xfrm>
-            <a:off x="8278830" y="6261925"/>
+            <a:off x="8748386" y="5415488"/>
             <a:ext cx="154116" cy="163153"/>
           </a:xfrm>
           <a:prstGeom prst="triangle">
@@ -9397,7 +9293,7 @@
         </p:nvSpPr>
         <p:spPr>
           <a:xfrm>
-            <a:off x="8790457" y="6270559"/>
+            <a:off x="9260013" y="5424122"/>
             <a:ext cx="154116" cy="163153"/>
           </a:xfrm>
           <a:prstGeom prst="triangle">
@@ -9448,7 +9344,7 @@
         </p:nvSpPr>
         <p:spPr>
           <a:xfrm>
-            <a:off x="2420926" y="5674408"/>
+            <a:off x="2890482" y="4827971"/>
             <a:ext cx="154116" cy="163153"/>
           </a:xfrm>
           <a:prstGeom prst="triangle">
@@ -9499,6 +9395,527 @@
 </file>
 
 <file path=ppt/slides/slide3.xml><?xml version="1.0" encoding="utf-8"?>
+<p:sld xmlns:a="http://schemas.openxmlformats.org/drawingml/2006/main" xmlns:r="http://schemas.openxmlformats.org/officeDocument/2006/relationships" xmlns:p="http://schemas.openxmlformats.org/presentationml/2006/main">
+  <p:cSld>
+    <p:spTree>
+      <p:nvGrpSpPr>
+        <p:cNvPr id="1" name=""/>
+        <p:cNvGrpSpPr/>
+        <p:nvPr/>
+      </p:nvGrpSpPr>
+      <p:grpSpPr>
+        <a:xfrm>
+          <a:off x="0" y="0"/>
+          <a:ext cx="0" cy="0"/>
+          <a:chOff x="0" y="0"/>
+          <a:chExt cx="0" cy="0"/>
+        </a:xfrm>
+      </p:grpSpPr>
+      <p:sp>
+        <p:nvSpPr>
+          <p:cNvPr id="4" name="椭圆 3">
+            <a:extLst>
+              <a:ext uri="{FF2B5EF4-FFF2-40B4-BE49-F238E27FC236}">
+                <a16:creationId xmlns:a16="http://schemas.microsoft.com/office/drawing/2014/main" id="{5325A25B-2907-67C6-0883-A15C9D6E85DA}"/>
+              </a:ext>
+            </a:extLst>
+          </p:cNvPr>
+          <p:cNvSpPr/>
+          <p:nvPr/>
+        </p:nvSpPr>
+        <p:spPr>
+          <a:xfrm>
+            <a:off x="5103807" y="1322173"/>
+            <a:ext cx="1457632" cy="340051"/>
+          </a:xfrm>
+          <a:prstGeom prst="ellipse">
+            <a:avLst/>
+          </a:prstGeom>
+        </p:spPr>
+        <p:style>
+          <a:lnRef idx="2">
+            <a:schemeClr val="accent1">
+              <a:shade val="50000"/>
+            </a:schemeClr>
+          </a:lnRef>
+          <a:fillRef idx="1">
+            <a:schemeClr val="accent1"/>
+          </a:fillRef>
+          <a:effectRef idx="0">
+            <a:schemeClr val="accent1"/>
+          </a:effectRef>
+          <a:fontRef idx="minor">
+            <a:schemeClr val="lt1"/>
+          </a:fontRef>
+        </p:style>
+        <p:txBody>
+          <a:bodyPr rtlCol="0" anchor="ctr"/>
+          <a:lstStyle/>
+          <a:p>
+            <a:pPr algn="ctr"/>
+            <a:r>
+              <a:rPr lang="en-US" altLang="zh-CN" sz="1100" dirty="0" err="1"/>
+              <a:t>BeenAttacked</a:t>
+            </a:r>
+            <a:endParaRPr lang="en-US" altLang="zh-CN" sz="1100" dirty="0"/>
+          </a:p>
+        </p:txBody>
+      </p:sp>
+      <p:sp>
+        <p:nvSpPr>
+          <p:cNvPr id="5" name="椭圆 4">
+            <a:extLst>
+              <a:ext uri="{FF2B5EF4-FFF2-40B4-BE49-F238E27FC236}">
+                <a16:creationId xmlns:a16="http://schemas.microsoft.com/office/drawing/2014/main" id="{F474917F-9B65-65B6-5474-6B2BBB38620C}"/>
+              </a:ext>
+            </a:extLst>
+          </p:cNvPr>
+          <p:cNvSpPr/>
+          <p:nvPr/>
+        </p:nvSpPr>
+        <p:spPr>
+          <a:xfrm>
+            <a:off x="5210595" y="3918411"/>
+            <a:ext cx="342475" cy="326907"/>
+          </a:xfrm>
+          <a:prstGeom prst="ellipse">
+            <a:avLst/>
+          </a:prstGeom>
+          <a:ln>
+            <a:solidFill>
+              <a:schemeClr val="tx1"/>
+            </a:solidFill>
+          </a:ln>
+        </p:spPr>
+        <p:style>
+          <a:lnRef idx="2">
+            <a:schemeClr val="accent1">
+              <a:shade val="50000"/>
+            </a:schemeClr>
+          </a:lnRef>
+          <a:fillRef idx="1">
+            <a:schemeClr val="accent1"/>
+          </a:fillRef>
+          <a:effectRef idx="0">
+            <a:schemeClr val="accent1"/>
+          </a:effectRef>
+          <a:fontRef idx="minor">
+            <a:schemeClr val="lt1"/>
+          </a:fontRef>
+        </p:style>
+        <p:txBody>
+          <a:bodyPr rtlCol="0" anchor="ctr"/>
+          <a:lstStyle/>
+          <a:p>
+            <a:pPr algn="ctr"/>
+            <a:endParaRPr lang="zh-CN" altLang="en-US" sz="400" dirty="0"/>
+          </a:p>
+        </p:txBody>
+      </p:sp>
+      <p:sp>
+        <p:nvSpPr>
+          <p:cNvPr id="6" name="矩形 5">
+            <a:extLst>
+              <a:ext uri="{FF2B5EF4-FFF2-40B4-BE49-F238E27FC236}">
+                <a16:creationId xmlns:a16="http://schemas.microsoft.com/office/drawing/2014/main" id="{35774F8E-5174-CCAE-3FFD-9C4F1D6BA0D1}"/>
+              </a:ext>
+            </a:extLst>
+          </p:cNvPr>
+          <p:cNvSpPr/>
+          <p:nvPr/>
+        </p:nvSpPr>
+        <p:spPr>
+          <a:xfrm>
+            <a:off x="4933563" y="4825641"/>
+            <a:ext cx="395901" cy="354150"/>
+          </a:xfrm>
+          <a:prstGeom prst="rect">
+            <a:avLst/>
+          </a:prstGeom>
+          <a:solidFill>
+            <a:schemeClr val="accent1"/>
+          </a:solidFill>
+          <a:ln>
+            <a:solidFill>
+              <a:schemeClr val="tx1"/>
+            </a:solidFill>
+          </a:ln>
+        </p:spPr>
+        <p:style>
+          <a:lnRef idx="2">
+            <a:schemeClr val="accent1">
+              <a:shade val="50000"/>
+            </a:schemeClr>
+          </a:lnRef>
+          <a:fillRef idx="1">
+            <a:schemeClr val="accent1"/>
+          </a:fillRef>
+          <a:effectRef idx="0">
+            <a:schemeClr val="accent1"/>
+          </a:effectRef>
+          <a:fontRef idx="minor">
+            <a:schemeClr val="lt1"/>
+          </a:fontRef>
+        </p:style>
+        <p:txBody>
+          <a:bodyPr rtlCol="0" anchor="ctr"/>
+          <a:lstStyle/>
+          <a:p>
+            <a:pPr algn="ctr"/>
+            <a:r>
+              <a:rPr lang="en-US" altLang="zh-CN" sz="400" dirty="0" err="1"/>
+              <a:t>BackRoll</a:t>
+            </a:r>
+            <a:endParaRPr lang="en-US" altLang="zh-CN" sz="400" dirty="0"/>
+          </a:p>
+        </p:txBody>
+      </p:sp>
+      <p:sp>
+        <p:nvSpPr>
+          <p:cNvPr id="7" name="矩形 6">
+            <a:extLst>
+              <a:ext uri="{FF2B5EF4-FFF2-40B4-BE49-F238E27FC236}">
+                <a16:creationId xmlns:a16="http://schemas.microsoft.com/office/drawing/2014/main" id="{1DB26B52-CCDF-AEB6-5F5F-4B3966E952DD}"/>
+              </a:ext>
+            </a:extLst>
+          </p:cNvPr>
+          <p:cNvSpPr/>
+          <p:nvPr/>
+        </p:nvSpPr>
+        <p:spPr>
+          <a:xfrm>
+            <a:off x="5418222" y="4825641"/>
+            <a:ext cx="429251" cy="354150"/>
+          </a:xfrm>
+          <a:prstGeom prst="rect">
+            <a:avLst/>
+          </a:prstGeom>
+          <a:solidFill>
+            <a:schemeClr val="accent1"/>
+          </a:solidFill>
+          <a:ln>
+            <a:solidFill>
+              <a:schemeClr val="tx1"/>
+            </a:solidFill>
+          </a:ln>
+        </p:spPr>
+        <p:style>
+          <a:lnRef idx="2">
+            <a:schemeClr val="accent1">
+              <a:shade val="50000"/>
+            </a:schemeClr>
+          </a:lnRef>
+          <a:fillRef idx="1">
+            <a:schemeClr val="accent1"/>
+          </a:fillRef>
+          <a:effectRef idx="0">
+            <a:schemeClr val="accent1"/>
+          </a:effectRef>
+          <a:fontRef idx="minor">
+            <a:schemeClr val="lt1"/>
+          </a:fontRef>
+        </p:style>
+        <p:txBody>
+          <a:bodyPr rtlCol="0" anchor="ctr"/>
+          <a:lstStyle/>
+          <a:p>
+            <a:pPr algn="ctr"/>
+            <a:r>
+              <a:rPr lang="en-US" altLang="zh-CN" sz="400" dirty="0"/>
+              <a:t>L/R</a:t>
+            </a:r>
+          </a:p>
+          <a:p>
+            <a:pPr algn="ctr"/>
+            <a:r>
+              <a:rPr lang="en-US" altLang="zh-CN" sz="400" dirty="0"/>
+              <a:t>Doge</a:t>
+            </a:r>
+          </a:p>
+        </p:txBody>
+      </p:sp>
+      <p:sp>
+        <p:nvSpPr>
+          <p:cNvPr id="8" name="椭圆 7">
+            <a:extLst>
+              <a:ext uri="{FF2B5EF4-FFF2-40B4-BE49-F238E27FC236}">
+                <a16:creationId xmlns:a16="http://schemas.microsoft.com/office/drawing/2014/main" id="{7396060C-0994-ADB8-E650-882E4413FF43}"/>
+              </a:ext>
+            </a:extLst>
+          </p:cNvPr>
+          <p:cNvSpPr/>
+          <p:nvPr/>
+        </p:nvSpPr>
+        <p:spPr>
+          <a:xfrm>
+            <a:off x="5043592" y="4743329"/>
+            <a:ext cx="160908" cy="152682"/>
+          </a:xfrm>
+          <a:prstGeom prst="ellipse">
+            <a:avLst/>
+          </a:prstGeom>
+          <a:ln>
+            <a:solidFill>
+              <a:schemeClr val="tx1"/>
+            </a:solidFill>
+          </a:ln>
+        </p:spPr>
+        <p:style>
+          <a:lnRef idx="2">
+            <a:schemeClr val="accent1">
+              <a:shade val="50000"/>
+            </a:schemeClr>
+          </a:lnRef>
+          <a:fillRef idx="1">
+            <a:schemeClr val="accent1"/>
+          </a:fillRef>
+          <a:effectRef idx="0">
+            <a:schemeClr val="accent1"/>
+          </a:effectRef>
+          <a:fontRef idx="minor">
+            <a:schemeClr val="lt1"/>
+          </a:fontRef>
+        </p:style>
+        <p:txBody>
+          <a:bodyPr rtlCol="0" anchor="ctr"/>
+          <a:lstStyle/>
+          <a:p>
+            <a:pPr algn="ctr"/>
+            <a:r>
+              <a:rPr lang="en-US" altLang="zh-CN" sz="1100" dirty="0"/>
+              <a:t>5</a:t>
+            </a:r>
+            <a:endParaRPr lang="zh-CN" altLang="en-US" sz="1100" dirty="0"/>
+          </a:p>
+        </p:txBody>
+      </p:sp>
+      <p:sp>
+        <p:nvSpPr>
+          <p:cNvPr id="9" name="椭圆 8">
+            <a:extLst>
+              <a:ext uri="{FF2B5EF4-FFF2-40B4-BE49-F238E27FC236}">
+                <a16:creationId xmlns:a16="http://schemas.microsoft.com/office/drawing/2014/main" id="{6063B7CF-36A8-8A7B-117C-4CB85811AD87}"/>
+              </a:ext>
+            </a:extLst>
+          </p:cNvPr>
+          <p:cNvSpPr/>
+          <p:nvPr/>
+        </p:nvSpPr>
+        <p:spPr>
+          <a:xfrm>
+            <a:off x="5552317" y="4743329"/>
+            <a:ext cx="160908" cy="152682"/>
+          </a:xfrm>
+          <a:prstGeom prst="ellipse">
+            <a:avLst/>
+          </a:prstGeom>
+          <a:ln>
+            <a:solidFill>
+              <a:schemeClr val="tx1"/>
+            </a:solidFill>
+          </a:ln>
+        </p:spPr>
+        <p:style>
+          <a:lnRef idx="2">
+            <a:schemeClr val="accent1">
+              <a:shade val="50000"/>
+            </a:schemeClr>
+          </a:lnRef>
+          <a:fillRef idx="1">
+            <a:schemeClr val="accent1"/>
+          </a:fillRef>
+          <a:effectRef idx="0">
+            <a:schemeClr val="accent1"/>
+          </a:effectRef>
+          <a:fontRef idx="minor">
+            <a:schemeClr val="lt1"/>
+          </a:fontRef>
+        </p:style>
+        <p:txBody>
+          <a:bodyPr rtlCol="0" anchor="ctr"/>
+          <a:lstStyle/>
+          <a:p>
+            <a:pPr algn="ctr"/>
+            <a:r>
+              <a:rPr lang="en-US" altLang="zh-CN" sz="1100" dirty="0"/>
+              <a:t>5</a:t>
+            </a:r>
+            <a:endParaRPr lang="zh-CN" altLang="en-US" sz="1100" dirty="0"/>
+          </a:p>
+        </p:txBody>
+      </p:sp>
+      <p:cxnSp>
+        <p:nvCxnSpPr>
+          <p:cNvPr id="10" name="连接符: 肘形 9">
+            <a:extLst>
+              <a:ext uri="{FF2B5EF4-FFF2-40B4-BE49-F238E27FC236}">
+                <a16:creationId xmlns:a16="http://schemas.microsoft.com/office/drawing/2014/main" id="{B036E256-65DC-21D1-3580-E11E24D4B399}"/>
+              </a:ext>
+            </a:extLst>
+          </p:cNvPr>
+          <p:cNvCxnSpPr>
+            <a:cxnSpLocks/>
+            <a:stCxn id="5" idx="4"/>
+            <a:endCxn id="9" idx="0"/>
+          </p:cNvCxnSpPr>
+          <p:nvPr/>
+        </p:nvCxnSpPr>
+        <p:spPr>
+          <a:xfrm rot="16200000" flipH="1">
+            <a:off x="5258297" y="4368854"/>
+            <a:ext cx="498011" cy="250938"/>
+          </a:xfrm>
+          <a:prstGeom prst="bentConnector3">
+            <a:avLst>
+              <a:gd name="adj1" fmla="val 50000"/>
+            </a:avLst>
+          </a:prstGeom>
+          <a:ln w="12700">
+            <a:solidFill>
+              <a:schemeClr val="tx1"/>
+            </a:solidFill>
+          </a:ln>
+        </p:spPr>
+        <p:style>
+          <a:lnRef idx="1">
+            <a:schemeClr val="accent1"/>
+          </a:lnRef>
+          <a:fillRef idx="0">
+            <a:schemeClr val="accent1"/>
+          </a:fillRef>
+          <a:effectRef idx="0">
+            <a:schemeClr val="accent1"/>
+          </a:effectRef>
+          <a:fontRef idx="minor">
+            <a:schemeClr val="tx1"/>
+          </a:fontRef>
+        </p:style>
+      </p:cxnSp>
+      <p:cxnSp>
+        <p:nvCxnSpPr>
+          <p:cNvPr id="13" name="连接符: 肘形 12">
+            <a:extLst>
+              <a:ext uri="{FF2B5EF4-FFF2-40B4-BE49-F238E27FC236}">
+                <a16:creationId xmlns:a16="http://schemas.microsoft.com/office/drawing/2014/main" id="{0B396E98-7EBF-802B-8B22-1E10662F12E1}"/>
+              </a:ext>
+            </a:extLst>
+          </p:cNvPr>
+          <p:cNvCxnSpPr>
+            <a:cxnSpLocks/>
+            <a:stCxn id="5" idx="4"/>
+            <a:endCxn id="8" idx="0"/>
+          </p:cNvCxnSpPr>
+          <p:nvPr/>
+        </p:nvCxnSpPr>
+        <p:spPr>
+          <a:xfrm rot="5400000">
+            <a:off x="5003935" y="4365430"/>
+            <a:ext cx="498011" cy="257787"/>
+          </a:xfrm>
+          <a:prstGeom prst="bentConnector3">
+            <a:avLst>
+              <a:gd name="adj1" fmla="val 50000"/>
+            </a:avLst>
+          </a:prstGeom>
+          <a:ln w="12700">
+            <a:solidFill>
+              <a:schemeClr val="tx1"/>
+            </a:solidFill>
+          </a:ln>
+        </p:spPr>
+        <p:style>
+          <a:lnRef idx="1">
+            <a:schemeClr val="accent1"/>
+          </a:lnRef>
+          <a:fillRef idx="0">
+            <a:schemeClr val="accent1"/>
+          </a:fillRef>
+          <a:effectRef idx="0">
+            <a:schemeClr val="accent1"/>
+          </a:effectRef>
+          <a:fontRef idx="minor">
+            <a:schemeClr val="tx1"/>
+          </a:fontRef>
+        </p:style>
+      </p:cxnSp>
+      <p:sp>
+        <p:nvSpPr>
+          <p:cNvPr id="16" name="矩形 15">
+            <a:extLst>
+              <a:ext uri="{FF2B5EF4-FFF2-40B4-BE49-F238E27FC236}">
+                <a16:creationId xmlns:a16="http://schemas.microsoft.com/office/drawing/2014/main" id="{0C87F7F6-BC81-4CC8-679A-1F9CE344F543}"/>
+              </a:ext>
+            </a:extLst>
+          </p:cNvPr>
+          <p:cNvSpPr/>
+          <p:nvPr/>
+        </p:nvSpPr>
+        <p:spPr>
+          <a:xfrm>
+            <a:off x="3690343" y="3251925"/>
+            <a:ext cx="429251" cy="354150"/>
+          </a:xfrm>
+          <a:prstGeom prst="rect">
+            <a:avLst/>
+          </a:prstGeom>
+          <a:solidFill>
+            <a:schemeClr val="accent1"/>
+          </a:solidFill>
+          <a:ln>
+            <a:solidFill>
+              <a:schemeClr val="tx1"/>
+            </a:solidFill>
+          </a:ln>
+        </p:spPr>
+        <p:style>
+          <a:lnRef idx="2">
+            <a:schemeClr val="accent1">
+              <a:shade val="50000"/>
+            </a:schemeClr>
+          </a:lnRef>
+          <a:fillRef idx="1">
+            <a:schemeClr val="accent1"/>
+          </a:fillRef>
+          <a:effectRef idx="0">
+            <a:schemeClr val="accent1"/>
+          </a:effectRef>
+          <a:fontRef idx="minor">
+            <a:schemeClr val="lt1"/>
+          </a:fontRef>
+        </p:style>
+        <p:txBody>
+          <a:bodyPr rtlCol="0" anchor="ctr"/>
+          <a:lstStyle/>
+          <a:p>
+            <a:pPr algn="ctr"/>
+            <a:r>
+              <a:rPr lang="en-US" altLang="zh-CN" sz="400" dirty="0"/>
+              <a:t>Play</a:t>
+            </a:r>
+          </a:p>
+          <a:p>
+            <a:pPr algn="ctr"/>
+            <a:r>
+              <a:rPr lang="en-US" altLang="zh-CN" sz="400" dirty="0"/>
+              <a:t>Animation</a:t>
+            </a:r>
+          </a:p>
+        </p:txBody>
+      </p:sp>
+    </p:spTree>
+    <p:extLst>
+      <p:ext uri="{BB962C8B-B14F-4D97-AF65-F5344CB8AC3E}">
+        <p14:creationId xmlns:p14="http://schemas.microsoft.com/office/powerpoint/2010/main" val="2526106044"/>
+      </p:ext>
+    </p:extLst>
+  </p:cSld>
+  <p:clrMapOvr>
+    <a:masterClrMapping/>
+  </p:clrMapOvr>
+</p:sld>
+</file>
+
+<file path=ppt/slides/slide4.xml><?xml version="1.0" encoding="utf-8"?>
 <p:sld xmlns:a="http://schemas.openxmlformats.org/drawingml/2006/main" xmlns:r="http://schemas.openxmlformats.org/officeDocument/2006/relationships" xmlns:p="http://schemas.openxmlformats.org/presentationml/2006/main">
   <p:cSld>
     <p:spTree>
